--- a/slides/datastructures/queue/Queue.pptx
+++ b/slides/datastructures/queue/Queue.pptx
@@ -1599,7 +1599,7 @@
             </a:r>
             <a:r>
               <a:rPr lang="zh-CN" altLang="en-US" dirty="0"/>
-              <a:t>样例。在最后一部分，我会通过代码演示如何实现队列。</a:t>
+              <a:t>样例，也会演示如何基于单向链表来实现队列。在最后一部分，我会通过代码演示如何实现队列。</a:t>
             </a:r>
             <a:endParaRPr dirty="0"/>
           </a:p>
@@ -1887,7 +1887,7 @@
             </a:r>
             <a:r>
               <a:rPr lang="zh-CN" altLang="en-US" dirty="0"/>
-              <a:t>个处理完，它才能依次处理剩下的请求。如果在处理的过程中，又来了新的请求，只要超过当前处理能力，也就是</a:t>
+              <a:t>个处理完，它才能依次处理剩下的请求。如果在处理的过程中，又来了新的请求，只要超过当前处理能力，也就是超过</a:t>
             </a:r>
             <a:r>
               <a:rPr lang="en-US" altLang="zh-CN" dirty="0"/>
@@ -1895,7 +1895,7 @@
             </a:r>
             <a:r>
               <a:rPr lang="zh-CN" altLang="en-US" dirty="0"/>
-              <a:t>个并发请求，那么新来的请求还得进队列等待。</a:t>
+              <a:t>个并发请求，那么新来的请求还得排队。</a:t>
             </a:r>
             <a:endParaRPr lang="en-US" dirty="0"/>
           </a:p>
@@ -3241,14 +3241,14 @@
             <a:endParaRPr lang="en-US" altLang="zh-CN" dirty="0"/>
           </a:p>
           <a:p>
-            <a:endParaRPr lang="en-US" dirty="0"/>
+            <a:endParaRPr lang="en-US" altLang="zh-CN" dirty="0"/>
           </a:p>
           <a:p>
             <a:r>
               <a:rPr lang="zh-CN" altLang="en-US" dirty="0"/>
-              <a:t>好的</a:t>
-            </a:r>
-            <a:endParaRPr dirty="0"/>
+              <a:t>这是一个比较场景的面试题，希望大家能够理解掌握。</a:t>
+            </a:r>
+            <a:endParaRPr lang="en-US" altLang="zh-CN" dirty="0"/>
           </a:p>
         </p:txBody>
       </p:sp>
@@ -3724,7 +3724,7 @@
             </a:r>
             <a:r>
               <a:rPr kumimoji="1" lang="zh-CN" altLang="en-US" dirty="0"/>
-              <a:t>这个节点，从单向链表的角度看，这个是单向链表头节点，注意，从队列的角度看，</a:t>
+              <a:t>这个节点，从单向链表的角度看，这个是单向链表头节点，但是从队列的角度看，</a:t>
             </a:r>
             <a:r>
               <a:rPr kumimoji="1" lang="en-US" altLang="zh-CN" dirty="0"/>
@@ -6898,7 +6898,7 @@
           </a:ln>
           <a:extLst>
             <a:ext uri="{C572A759-6A51-4108-AA02-DFA0A04FC94B}">
-              <ma14:wrappingTextBoxFlag xmlns:ma14="http://schemas.microsoft.com/office/mac/drawingml/2011/main" xmlns="" val="1"/>
+              <ma14:wrappingTextBoxFlag xmlns="" xmlns:ma14="http://schemas.microsoft.com/office/mac/drawingml/2011/main" val="1"/>
             </a:ext>
           </a:extLst>
         </p:spPr>
@@ -6937,7 +6937,7 @@
           </a:ln>
           <a:extLst>
             <a:ext uri="{C572A759-6A51-4108-AA02-DFA0A04FC94B}">
-              <ma14:wrappingTextBoxFlag xmlns:ma14="http://schemas.microsoft.com/office/mac/drawingml/2011/main" xmlns="" val="1"/>
+              <ma14:wrappingTextBoxFlag xmlns="" xmlns:ma14="http://schemas.microsoft.com/office/mac/drawingml/2011/main" val="1"/>
             </a:ext>
           </a:extLst>
         </p:spPr>
@@ -7959,7 +7959,7 @@
           </a:ln>
           <a:extLst>
             <a:ext uri="{C572A759-6A51-4108-AA02-DFA0A04FC94B}">
-              <ma14:wrappingTextBoxFlag xmlns:ma14="http://schemas.microsoft.com/office/mac/drawingml/2011/main" xmlns="" val="1"/>
+              <ma14:wrappingTextBoxFlag xmlns="" xmlns:ma14="http://schemas.microsoft.com/office/mac/drawingml/2011/main" val="1"/>
             </a:ext>
           </a:extLst>
         </p:spPr>
@@ -8315,7 +8315,7 @@
           </a:ln>
           <a:extLst>
             <a:ext uri="{C572A759-6A51-4108-AA02-DFA0A04FC94B}">
-              <ma14:wrappingTextBoxFlag xmlns:ma14="http://schemas.microsoft.com/office/mac/drawingml/2011/main" xmlns="" val="1"/>
+              <ma14:wrappingTextBoxFlag xmlns="" xmlns:ma14="http://schemas.microsoft.com/office/mac/drawingml/2011/main" val="1"/>
             </a:ext>
           </a:extLst>
         </p:spPr>
@@ -8358,7 +8358,7 @@
           </a:ln>
           <a:extLst>
             <a:ext uri="{C572A759-6A51-4108-AA02-DFA0A04FC94B}">
-              <ma14:wrappingTextBoxFlag xmlns:ma14="http://schemas.microsoft.com/office/mac/drawingml/2011/main" xmlns="" val="1"/>
+              <ma14:wrappingTextBoxFlag xmlns="" xmlns:ma14="http://schemas.microsoft.com/office/mac/drawingml/2011/main" val="1"/>
             </a:ext>
           </a:extLst>
         </p:spPr>
@@ -8403,7 +8403,7 @@
           </a:ln>
           <a:extLst>
             <a:ext uri="{C572A759-6A51-4108-AA02-DFA0A04FC94B}">
-              <ma14:wrappingTextBoxFlag xmlns:ma14="http://schemas.microsoft.com/office/mac/drawingml/2011/main" xmlns="" val="1"/>
+              <ma14:wrappingTextBoxFlag xmlns="" xmlns:ma14="http://schemas.microsoft.com/office/mac/drawingml/2011/main" val="1"/>
             </a:ext>
           </a:extLst>
         </p:spPr>
@@ -8448,7 +8448,7 @@
           </a:ln>
           <a:extLst>
             <a:ext uri="{C572A759-6A51-4108-AA02-DFA0A04FC94B}">
-              <ma14:wrappingTextBoxFlag xmlns:ma14="http://schemas.microsoft.com/office/mac/drawingml/2011/main" xmlns="" val="1"/>
+              <ma14:wrappingTextBoxFlag xmlns="" xmlns:ma14="http://schemas.microsoft.com/office/mac/drawingml/2011/main" val="1"/>
             </a:ext>
           </a:extLst>
         </p:spPr>
@@ -8493,7 +8493,7 @@
           </a:ln>
           <a:extLst>
             <a:ext uri="{C572A759-6A51-4108-AA02-DFA0A04FC94B}">
-              <ma14:wrappingTextBoxFlag xmlns:ma14="http://schemas.microsoft.com/office/mac/drawingml/2011/main" xmlns="" val="1"/>
+              <ma14:wrappingTextBoxFlag xmlns="" xmlns:ma14="http://schemas.microsoft.com/office/mac/drawingml/2011/main" val="1"/>
             </a:ext>
           </a:extLst>
         </p:spPr>
@@ -8538,7 +8538,7 @@
           </a:ln>
           <a:extLst>
             <a:ext uri="{C572A759-6A51-4108-AA02-DFA0A04FC94B}">
-              <ma14:wrappingTextBoxFlag xmlns:ma14="http://schemas.microsoft.com/office/mac/drawingml/2011/main" xmlns="" val="1"/>
+              <ma14:wrappingTextBoxFlag xmlns="" xmlns:ma14="http://schemas.microsoft.com/office/mac/drawingml/2011/main" val="1"/>
             </a:ext>
           </a:extLst>
         </p:spPr>
@@ -8580,7 +8580,7 @@
           </a:ln>
           <a:extLst>
             <a:ext uri="{C572A759-6A51-4108-AA02-DFA0A04FC94B}">
-              <ma14:wrappingTextBoxFlag xmlns:ma14="http://schemas.microsoft.com/office/mac/drawingml/2011/main" xmlns="" val="1"/>
+              <ma14:wrappingTextBoxFlag xmlns="" xmlns:ma14="http://schemas.microsoft.com/office/mac/drawingml/2011/main" val="1"/>
             </a:ext>
           </a:extLst>
         </p:spPr>
@@ -8649,7 +8649,7 @@
           </a:ln>
           <a:extLst>
             <a:ext uri="{C572A759-6A51-4108-AA02-DFA0A04FC94B}">
-              <ma14:wrappingTextBoxFlag xmlns:ma14="http://schemas.microsoft.com/office/mac/drawingml/2011/main" xmlns="" val="1"/>
+              <ma14:wrappingTextBoxFlag xmlns="" xmlns:ma14="http://schemas.microsoft.com/office/mac/drawingml/2011/main" val="1"/>
             </a:ext>
           </a:extLst>
         </p:spPr>
@@ -8748,7 +8748,7 @@
           </a:ln>
           <a:extLst>
             <a:ext uri="{C572A759-6A51-4108-AA02-DFA0A04FC94B}">
-              <ma14:wrappingTextBoxFlag xmlns:ma14="http://schemas.microsoft.com/office/mac/drawingml/2011/main" xmlns="" val="1"/>
+              <ma14:wrappingTextBoxFlag xmlns="" xmlns:ma14="http://schemas.microsoft.com/office/mac/drawingml/2011/main" val="1"/>
             </a:ext>
           </a:extLst>
         </p:spPr>
@@ -8791,7 +8791,7 @@
           </a:ln>
           <a:extLst>
             <a:ext uri="{C572A759-6A51-4108-AA02-DFA0A04FC94B}">
-              <ma14:wrappingTextBoxFlag xmlns:ma14="http://schemas.microsoft.com/office/mac/drawingml/2011/main" xmlns="" val="1"/>
+              <ma14:wrappingTextBoxFlag xmlns="" xmlns:ma14="http://schemas.microsoft.com/office/mac/drawingml/2011/main" val="1"/>
             </a:ext>
           </a:extLst>
         </p:spPr>
@@ -8836,7 +8836,7 @@
           </a:ln>
           <a:extLst>
             <a:ext uri="{C572A759-6A51-4108-AA02-DFA0A04FC94B}">
-              <ma14:wrappingTextBoxFlag xmlns:ma14="http://schemas.microsoft.com/office/mac/drawingml/2011/main" xmlns="" val="1"/>
+              <ma14:wrappingTextBoxFlag xmlns="" xmlns:ma14="http://schemas.microsoft.com/office/mac/drawingml/2011/main" val="1"/>
             </a:ext>
           </a:extLst>
         </p:spPr>
@@ -8881,7 +8881,7 @@
           </a:ln>
           <a:extLst>
             <a:ext uri="{C572A759-6A51-4108-AA02-DFA0A04FC94B}">
-              <ma14:wrappingTextBoxFlag xmlns:ma14="http://schemas.microsoft.com/office/mac/drawingml/2011/main" xmlns="" val="1"/>
+              <ma14:wrappingTextBoxFlag xmlns="" xmlns:ma14="http://schemas.microsoft.com/office/mac/drawingml/2011/main" val="1"/>
             </a:ext>
           </a:extLst>
         </p:spPr>
@@ -8926,7 +8926,7 @@
           </a:ln>
           <a:extLst>
             <a:ext uri="{C572A759-6A51-4108-AA02-DFA0A04FC94B}">
-              <ma14:wrappingTextBoxFlag xmlns:ma14="http://schemas.microsoft.com/office/mac/drawingml/2011/main" xmlns="" val="1"/>
+              <ma14:wrappingTextBoxFlag xmlns="" xmlns:ma14="http://schemas.microsoft.com/office/mac/drawingml/2011/main" val="1"/>
             </a:ext>
           </a:extLst>
         </p:spPr>
@@ -8971,7 +8971,7 @@
           </a:ln>
           <a:extLst>
             <a:ext uri="{C572A759-6A51-4108-AA02-DFA0A04FC94B}">
-              <ma14:wrappingTextBoxFlag xmlns:ma14="http://schemas.microsoft.com/office/mac/drawingml/2011/main" xmlns="" val="1"/>
+              <ma14:wrappingTextBoxFlag xmlns="" xmlns:ma14="http://schemas.microsoft.com/office/mac/drawingml/2011/main" val="1"/>
             </a:ext>
           </a:extLst>
         </p:spPr>
@@ -9013,7 +9013,7 @@
           </a:ln>
           <a:extLst>
             <a:ext uri="{C572A759-6A51-4108-AA02-DFA0A04FC94B}">
-              <ma14:wrappingTextBoxFlag xmlns:ma14="http://schemas.microsoft.com/office/mac/drawingml/2011/main" xmlns="" val="1"/>
+              <ma14:wrappingTextBoxFlag xmlns="" xmlns:ma14="http://schemas.microsoft.com/office/mac/drawingml/2011/main" val="1"/>
             </a:ext>
           </a:extLst>
         </p:spPr>
@@ -9092,7 +9092,7 @@
           </a:ln>
           <a:extLst>
             <a:ext uri="{C572A759-6A51-4108-AA02-DFA0A04FC94B}">
-              <ma14:wrappingTextBoxFlag xmlns:ma14="http://schemas.microsoft.com/office/mac/drawingml/2011/main" xmlns="" val="1"/>
+              <ma14:wrappingTextBoxFlag xmlns="" xmlns:ma14="http://schemas.microsoft.com/office/mac/drawingml/2011/main" val="1"/>
             </a:ext>
           </a:extLst>
         </p:spPr>
@@ -9229,7 +9229,7 @@
           </a:ln>
           <a:extLst>
             <a:ext uri="{C572A759-6A51-4108-AA02-DFA0A04FC94B}">
-              <ma14:wrappingTextBoxFlag xmlns:ma14="http://schemas.microsoft.com/office/mac/drawingml/2011/main" xmlns="" val="1"/>
+              <ma14:wrappingTextBoxFlag xmlns="" xmlns:ma14="http://schemas.microsoft.com/office/mac/drawingml/2011/main" val="1"/>
             </a:ext>
           </a:extLst>
         </p:spPr>
@@ -9272,7 +9272,7 @@
           </a:ln>
           <a:extLst>
             <a:ext uri="{C572A759-6A51-4108-AA02-DFA0A04FC94B}">
-              <ma14:wrappingTextBoxFlag xmlns:ma14="http://schemas.microsoft.com/office/mac/drawingml/2011/main" xmlns="" val="1"/>
+              <ma14:wrappingTextBoxFlag xmlns="" xmlns:ma14="http://schemas.microsoft.com/office/mac/drawingml/2011/main" val="1"/>
             </a:ext>
           </a:extLst>
         </p:spPr>
@@ -9317,7 +9317,7 @@
           </a:ln>
           <a:extLst>
             <a:ext uri="{C572A759-6A51-4108-AA02-DFA0A04FC94B}">
-              <ma14:wrappingTextBoxFlag xmlns:ma14="http://schemas.microsoft.com/office/mac/drawingml/2011/main" xmlns="" val="1"/>
+              <ma14:wrappingTextBoxFlag xmlns="" xmlns:ma14="http://schemas.microsoft.com/office/mac/drawingml/2011/main" val="1"/>
             </a:ext>
           </a:extLst>
         </p:spPr>
@@ -9362,7 +9362,7 @@
           </a:ln>
           <a:extLst>
             <a:ext uri="{C572A759-6A51-4108-AA02-DFA0A04FC94B}">
-              <ma14:wrappingTextBoxFlag xmlns:ma14="http://schemas.microsoft.com/office/mac/drawingml/2011/main" xmlns="" val="1"/>
+              <ma14:wrappingTextBoxFlag xmlns="" xmlns:ma14="http://schemas.microsoft.com/office/mac/drawingml/2011/main" val="1"/>
             </a:ext>
           </a:extLst>
         </p:spPr>
@@ -9407,7 +9407,7 @@
           </a:ln>
           <a:extLst>
             <a:ext uri="{C572A759-6A51-4108-AA02-DFA0A04FC94B}">
-              <ma14:wrappingTextBoxFlag xmlns:ma14="http://schemas.microsoft.com/office/mac/drawingml/2011/main" xmlns="" val="1"/>
+              <ma14:wrappingTextBoxFlag xmlns="" xmlns:ma14="http://schemas.microsoft.com/office/mac/drawingml/2011/main" val="1"/>
             </a:ext>
           </a:extLst>
         </p:spPr>
@@ -9449,7 +9449,7 @@
           </a:ln>
           <a:extLst>
             <a:ext uri="{C572A759-6A51-4108-AA02-DFA0A04FC94B}">
-              <ma14:wrappingTextBoxFlag xmlns:ma14="http://schemas.microsoft.com/office/mac/drawingml/2011/main" xmlns="" val="1"/>
+              <ma14:wrappingTextBoxFlag xmlns="" xmlns:ma14="http://schemas.microsoft.com/office/mac/drawingml/2011/main" val="1"/>
             </a:ext>
           </a:extLst>
         </p:spPr>
@@ -9518,7 +9518,7 @@
           </a:ln>
           <a:extLst>
             <a:ext uri="{C572A759-6A51-4108-AA02-DFA0A04FC94B}">
-              <ma14:wrappingTextBoxFlag xmlns:ma14="http://schemas.microsoft.com/office/mac/drawingml/2011/main" xmlns="" val="1"/>
+              <ma14:wrappingTextBoxFlag xmlns="" xmlns:ma14="http://schemas.microsoft.com/office/mac/drawingml/2011/main" val="1"/>
             </a:ext>
           </a:extLst>
         </p:spPr>
@@ -9617,7 +9617,7 @@
           </a:ln>
           <a:extLst>
             <a:ext uri="{C572A759-6A51-4108-AA02-DFA0A04FC94B}">
-              <ma14:wrappingTextBoxFlag xmlns:ma14="http://schemas.microsoft.com/office/mac/drawingml/2011/main" xmlns="" val="1"/>
+              <ma14:wrappingTextBoxFlag xmlns="" xmlns:ma14="http://schemas.microsoft.com/office/mac/drawingml/2011/main" val="1"/>
             </a:ext>
           </a:extLst>
         </p:spPr>
@@ -9660,7 +9660,7 @@
           </a:ln>
           <a:extLst>
             <a:ext uri="{C572A759-6A51-4108-AA02-DFA0A04FC94B}">
-              <ma14:wrappingTextBoxFlag xmlns:ma14="http://schemas.microsoft.com/office/mac/drawingml/2011/main" xmlns="" val="1"/>
+              <ma14:wrappingTextBoxFlag xmlns="" xmlns:ma14="http://schemas.microsoft.com/office/mac/drawingml/2011/main" val="1"/>
             </a:ext>
           </a:extLst>
         </p:spPr>
@@ -9705,7 +9705,7 @@
           </a:ln>
           <a:extLst>
             <a:ext uri="{C572A759-6A51-4108-AA02-DFA0A04FC94B}">
-              <ma14:wrappingTextBoxFlag xmlns:ma14="http://schemas.microsoft.com/office/mac/drawingml/2011/main" xmlns="" val="1"/>
+              <ma14:wrappingTextBoxFlag xmlns="" xmlns:ma14="http://schemas.microsoft.com/office/mac/drawingml/2011/main" val="1"/>
             </a:ext>
           </a:extLst>
         </p:spPr>
@@ -9750,7 +9750,7 @@
           </a:ln>
           <a:extLst>
             <a:ext uri="{C572A759-6A51-4108-AA02-DFA0A04FC94B}">
-              <ma14:wrappingTextBoxFlag xmlns:ma14="http://schemas.microsoft.com/office/mac/drawingml/2011/main" xmlns="" val="1"/>
+              <ma14:wrappingTextBoxFlag xmlns="" xmlns:ma14="http://schemas.microsoft.com/office/mac/drawingml/2011/main" val="1"/>
             </a:ext>
           </a:extLst>
         </p:spPr>
@@ -9795,7 +9795,7 @@
           </a:ln>
           <a:extLst>
             <a:ext uri="{C572A759-6A51-4108-AA02-DFA0A04FC94B}">
-              <ma14:wrappingTextBoxFlag xmlns:ma14="http://schemas.microsoft.com/office/mac/drawingml/2011/main" xmlns="" val="1"/>
+              <ma14:wrappingTextBoxFlag xmlns="" xmlns:ma14="http://schemas.microsoft.com/office/mac/drawingml/2011/main" val="1"/>
             </a:ext>
           </a:extLst>
         </p:spPr>
@@ -9837,7 +9837,7 @@
           </a:ln>
           <a:extLst>
             <a:ext uri="{C572A759-6A51-4108-AA02-DFA0A04FC94B}">
-              <ma14:wrappingTextBoxFlag xmlns:ma14="http://schemas.microsoft.com/office/mac/drawingml/2011/main" xmlns="" val="1"/>
+              <ma14:wrappingTextBoxFlag xmlns="" xmlns:ma14="http://schemas.microsoft.com/office/mac/drawingml/2011/main" val="1"/>
             </a:ext>
           </a:extLst>
         </p:spPr>
@@ -9916,7 +9916,7 @@
           </a:ln>
           <a:extLst>
             <a:ext uri="{C572A759-6A51-4108-AA02-DFA0A04FC94B}">
-              <ma14:wrappingTextBoxFlag xmlns:ma14="http://schemas.microsoft.com/office/mac/drawingml/2011/main" xmlns="" val="1"/>
+              <ma14:wrappingTextBoxFlag xmlns="" xmlns:ma14="http://schemas.microsoft.com/office/mac/drawingml/2011/main" val="1"/>
             </a:ext>
           </a:extLst>
         </p:spPr>
@@ -10053,7 +10053,7 @@
           </a:ln>
           <a:extLst>
             <a:ext uri="{C572A759-6A51-4108-AA02-DFA0A04FC94B}">
-              <ma14:wrappingTextBoxFlag xmlns:ma14="http://schemas.microsoft.com/office/mac/drawingml/2011/main" xmlns="" val="1"/>
+              <ma14:wrappingTextBoxFlag xmlns="" xmlns:ma14="http://schemas.microsoft.com/office/mac/drawingml/2011/main" val="1"/>
             </a:ext>
           </a:extLst>
         </p:spPr>
@@ -10096,7 +10096,7 @@
           </a:ln>
           <a:extLst>
             <a:ext uri="{C572A759-6A51-4108-AA02-DFA0A04FC94B}">
-              <ma14:wrappingTextBoxFlag xmlns:ma14="http://schemas.microsoft.com/office/mac/drawingml/2011/main" xmlns="" val="1"/>
+              <ma14:wrappingTextBoxFlag xmlns="" xmlns:ma14="http://schemas.microsoft.com/office/mac/drawingml/2011/main" val="1"/>
             </a:ext>
           </a:extLst>
         </p:spPr>
@@ -10141,7 +10141,7 @@
           </a:ln>
           <a:extLst>
             <a:ext uri="{C572A759-6A51-4108-AA02-DFA0A04FC94B}">
-              <ma14:wrappingTextBoxFlag xmlns:ma14="http://schemas.microsoft.com/office/mac/drawingml/2011/main" xmlns="" val="1"/>
+              <ma14:wrappingTextBoxFlag xmlns="" xmlns:ma14="http://schemas.microsoft.com/office/mac/drawingml/2011/main" val="1"/>
             </a:ext>
           </a:extLst>
         </p:spPr>
@@ -10186,7 +10186,7 @@
           </a:ln>
           <a:extLst>
             <a:ext uri="{C572A759-6A51-4108-AA02-DFA0A04FC94B}">
-              <ma14:wrappingTextBoxFlag xmlns:ma14="http://schemas.microsoft.com/office/mac/drawingml/2011/main" xmlns="" val="1"/>
+              <ma14:wrappingTextBoxFlag xmlns="" xmlns:ma14="http://schemas.microsoft.com/office/mac/drawingml/2011/main" val="1"/>
             </a:ext>
           </a:extLst>
         </p:spPr>
@@ -10228,7 +10228,7 @@
           </a:ln>
           <a:extLst>
             <a:ext uri="{C572A759-6A51-4108-AA02-DFA0A04FC94B}">
-              <ma14:wrappingTextBoxFlag xmlns:ma14="http://schemas.microsoft.com/office/mac/drawingml/2011/main" xmlns="" val="1"/>
+              <ma14:wrappingTextBoxFlag xmlns="" xmlns:ma14="http://schemas.microsoft.com/office/mac/drawingml/2011/main" val="1"/>
             </a:ext>
           </a:extLst>
         </p:spPr>
@@ -10297,7 +10297,7 @@
           </a:ln>
           <a:extLst>
             <a:ext uri="{C572A759-6A51-4108-AA02-DFA0A04FC94B}">
-              <ma14:wrappingTextBoxFlag xmlns:ma14="http://schemas.microsoft.com/office/mac/drawingml/2011/main" xmlns="" val="1"/>
+              <ma14:wrappingTextBoxFlag xmlns="" xmlns:ma14="http://schemas.microsoft.com/office/mac/drawingml/2011/main" val="1"/>
             </a:ext>
           </a:extLst>
         </p:spPr>
@@ -10396,7 +10396,7 @@
           </a:ln>
           <a:extLst>
             <a:ext uri="{C572A759-6A51-4108-AA02-DFA0A04FC94B}">
-              <ma14:wrappingTextBoxFlag xmlns:ma14="http://schemas.microsoft.com/office/mac/drawingml/2011/main" xmlns="" val="1"/>
+              <ma14:wrappingTextBoxFlag xmlns="" xmlns:ma14="http://schemas.microsoft.com/office/mac/drawingml/2011/main" val="1"/>
             </a:ext>
           </a:extLst>
         </p:spPr>
@@ -10439,7 +10439,7 @@
           </a:ln>
           <a:extLst>
             <a:ext uri="{C572A759-6A51-4108-AA02-DFA0A04FC94B}">
-              <ma14:wrappingTextBoxFlag xmlns:ma14="http://schemas.microsoft.com/office/mac/drawingml/2011/main" xmlns="" val="1"/>
+              <ma14:wrappingTextBoxFlag xmlns="" xmlns:ma14="http://schemas.microsoft.com/office/mac/drawingml/2011/main" val="1"/>
             </a:ext>
           </a:extLst>
         </p:spPr>
@@ -10484,7 +10484,7 @@
           </a:ln>
           <a:extLst>
             <a:ext uri="{C572A759-6A51-4108-AA02-DFA0A04FC94B}">
-              <ma14:wrappingTextBoxFlag xmlns:ma14="http://schemas.microsoft.com/office/mac/drawingml/2011/main" xmlns="" val="1"/>
+              <ma14:wrappingTextBoxFlag xmlns="" xmlns:ma14="http://schemas.microsoft.com/office/mac/drawingml/2011/main" val="1"/>
             </a:ext>
           </a:extLst>
         </p:spPr>
@@ -10529,7 +10529,7 @@
           </a:ln>
           <a:extLst>
             <a:ext uri="{C572A759-6A51-4108-AA02-DFA0A04FC94B}">
-              <ma14:wrappingTextBoxFlag xmlns:ma14="http://schemas.microsoft.com/office/mac/drawingml/2011/main" xmlns="" val="1"/>
+              <ma14:wrappingTextBoxFlag xmlns="" xmlns:ma14="http://schemas.microsoft.com/office/mac/drawingml/2011/main" val="1"/>
             </a:ext>
           </a:extLst>
         </p:spPr>
@@ -10571,7 +10571,7 @@
           </a:ln>
           <a:extLst>
             <a:ext uri="{C572A759-6A51-4108-AA02-DFA0A04FC94B}">
-              <ma14:wrappingTextBoxFlag xmlns:ma14="http://schemas.microsoft.com/office/mac/drawingml/2011/main" xmlns="" val="1"/>
+              <ma14:wrappingTextBoxFlag xmlns="" xmlns:ma14="http://schemas.microsoft.com/office/mac/drawingml/2011/main" val="1"/>
             </a:ext>
           </a:extLst>
         </p:spPr>
@@ -10650,7 +10650,7 @@
           </a:ln>
           <a:extLst>
             <a:ext uri="{C572A759-6A51-4108-AA02-DFA0A04FC94B}">
-              <ma14:wrappingTextBoxFlag xmlns:ma14="http://schemas.microsoft.com/office/mac/drawingml/2011/main" xmlns="" val="1"/>
+              <ma14:wrappingTextBoxFlag xmlns="" xmlns:ma14="http://schemas.microsoft.com/office/mac/drawingml/2011/main" val="1"/>
             </a:ext>
           </a:extLst>
         </p:spPr>
@@ -10695,7 +10695,7 @@
           </a:ln>
           <a:extLst>
             <a:ext uri="{C572A759-6A51-4108-AA02-DFA0A04FC94B}">
-              <ma14:wrappingTextBoxFlag xmlns:ma14="http://schemas.microsoft.com/office/mac/drawingml/2011/main" xmlns="" val="1"/>
+              <ma14:wrappingTextBoxFlag xmlns="" xmlns:ma14="http://schemas.microsoft.com/office/mac/drawingml/2011/main" val="1"/>
             </a:ext>
           </a:extLst>
         </p:spPr>
@@ -10832,7 +10832,7 @@
           </a:ln>
           <a:extLst>
             <a:ext uri="{C572A759-6A51-4108-AA02-DFA0A04FC94B}">
-              <ma14:wrappingTextBoxFlag xmlns:ma14="http://schemas.microsoft.com/office/mac/drawingml/2011/main" xmlns="" val="1"/>
+              <ma14:wrappingTextBoxFlag xmlns="" xmlns:ma14="http://schemas.microsoft.com/office/mac/drawingml/2011/main" val="1"/>
             </a:ext>
           </a:extLst>
         </p:spPr>
@@ -10875,7 +10875,7 @@
           </a:ln>
           <a:extLst>
             <a:ext uri="{C572A759-6A51-4108-AA02-DFA0A04FC94B}">
-              <ma14:wrappingTextBoxFlag xmlns:ma14="http://schemas.microsoft.com/office/mac/drawingml/2011/main" xmlns="" val="1"/>
+              <ma14:wrappingTextBoxFlag xmlns="" xmlns:ma14="http://schemas.microsoft.com/office/mac/drawingml/2011/main" val="1"/>
             </a:ext>
           </a:extLst>
         </p:spPr>
@@ -10920,7 +10920,7 @@
           </a:ln>
           <a:extLst>
             <a:ext uri="{C572A759-6A51-4108-AA02-DFA0A04FC94B}">
-              <ma14:wrappingTextBoxFlag xmlns:ma14="http://schemas.microsoft.com/office/mac/drawingml/2011/main" xmlns="" val="1"/>
+              <ma14:wrappingTextBoxFlag xmlns="" xmlns:ma14="http://schemas.microsoft.com/office/mac/drawingml/2011/main" val="1"/>
             </a:ext>
           </a:extLst>
         </p:spPr>
@@ -10965,7 +10965,7 @@
           </a:ln>
           <a:extLst>
             <a:ext uri="{C572A759-6A51-4108-AA02-DFA0A04FC94B}">
-              <ma14:wrappingTextBoxFlag xmlns:ma14="http://schemas.microsoft.com/office/mac/drawingml/2011/main" xmlns="" val="1"/>
+              <ma14:wrappingTextBoxFlag xmlns="" xmlns:ma14="http://schemas.microsoft.com/office/mac/drawingml/2011/main" val="1"/>
             </a:ext>
           </a:extLst>
         </p:spPr>
@@ -11007,7 +11007,7 @@
           </a:ln>
           <a:extLst>
             <a:ext uri="{C572A759-6A51-4108-AA02-DFA0A04FC94B}">
-              <ma14:wrappingTextBoxFlag xmlns:ma14="http://schemas.microsoft.com/office/mac/drawingml/2011/main" xmlns="" val="1"/>
+              <ma14:wrappingTextBoxFlag xmlns="" xmlns:ma14="http://schemas.microsoft.com/office/mac/drawingml/2011/main" val="1"/>
             </a:ext>
           </a:extLst>
         </p:spPr>
@@ -11076,7 +11076,7 @@
           </a:ln>
           <a:extLst>
             <a:ext uri="{C572A759-6A51-4108-AA02-DFA0A04FC94B}">
-              <ma14:wrappingTextBoxFlag xmlns:ma14="http://schemas.microsoft.com/office/mac/drawingml/2011/main" xmlns="" val="1"/>
+              <ma14:wrappingTextBoxFlag xmlns="" xmlns:ma14="http://schemas.microsoft.com/office/mac/drawingml/2011/main" val="1"/>
             </a:ext>
           </a:extLst>
         </p:spPr>
@@ -11121,7 +11121,7 @@
           </a:ln>
           <a:extLst>
             <a:ext uri="{C572A759-6A51-4108-AA02-DFA0A04FC94B}">
-              <ma14:wrappingTextBoxFlag xmlns:ma14="http://schemas.microsoft.com/office/mac/drawingml/2011/main" xmlns="" val="1"/>
+              <ma14:wrappingTextBoxFlag xmlns="" xmlns:ma14="http://schemas.microsoft.com/office/mac/drawingml/2011/main" val="1"/>
             </a:ext>
           </a:extLst>
         </p:spPr>
@@ -11220,7 +11220,7 @@
           </a:ln>
           <a:extLst>
             <a:ext uri="{C572A759-6A51-4108-AA02-DFA0A04FC94B}">
-              <ma14:wrappingTextBoxFlag xmlns:ma14="http://schemas.microsoft.com/office/mac/drawingml/2011/main" xmlns="" val="1"/>
+              <ma14:wrappingTextBoxFlag xmlns="" xmlns:ma14="http://schemas.microsoft.com/office/mac/drawingml/2011/main" val="1"/>
             </a:ext>
           </a:extLst>
         </p:spPr>
@@ -11263,7 +11263,7 @@
           </a:ln>
           <a:extLst>
             <a:ext uri="{C572A759-6A51-4108-AA02-DFA0A04FC94B}">
-              <ma14:wrappingTextBoxFlag xmlns:ma14="http://schemas.microsoft.com/office/mac/drawingml/2011/main" xmlns="" val="1"/>
+              <ma14:wrappingTextBoxFlag xmlns="" xmlns:ma14="http://schemas.microsoft.com/office/mac/drawingml/2011/main" val="1"/>
             </a:ext>
           </a:extLst>
         </p:spPr>
@@ -11308,7 +11308,7 @@
           </a:ln>
           <a:extLst>
             <a:ext uri="{C572A759-6A51-4108-AA02-DFA0A04FC94B}">
-              <ma14:wrappingTextBoxFlag xmlns:ma14="http://schemas.microsoft.com/office/mac/drawingml/2011/main" xmlns="" val="1"/>
+              <ma14:wrappingTextBoxFlag xmlns="" xmlns:ma14="http://schemas.microsoft.com/office/mac/drawingml/2011/main" val="1"/>
             </a:ext>
           </a:extLst>
         </p:spPr>
@@ -11353,7 +11353,7 @@
           </a:ln>
           <a:extLst>
             <a:ext uri="{C572A759-6A51-4108-AA02-DFA0A04FC94B}">
-              <ma14:wrappingTextBoxFlag xmlns:ma14="http://schemas.microsoft.com/office/mac/drawingml/2011/main" xmlns="" val="1"/>
+              <ma14:wrappingTextBoxFlag xmlns="" xmlns:ma14="http://schemas.microsoft.com/office/mac/drawingml/2011/main" val="1"/>
             </a:ext>
           </a:extLst>
         </p:spPr>
@@ -11395,7 +11395,7 @@
           </a:ln>
           <a:extLst>
             <a:ext uri="{C572A759-6A51-4108-AA02-DFA0A04FC94B}">
-              <ma14:wrappingTextBoxFlag xmlns:ma14="http://schemas.microsoft.com/office/mac/drawingml/2011/main" xmlns="" val="1"/>
+              <ma14:wrappingTextBoxFlag xmlns="" xmlns:ma14="http://schemas.microsoft.com/office/mac/drawingml/2011/main" val="1"/>
             </a:ext>
           </a:extLst>
         </p:spPr>
@@ -11474,7 +11474,7 @@
           </a:ln>
           <a:extLst>
             <a:ext uri="{C572A759-6A51-4108-AA02-DFA0A04FC94B}">
-              <ma14:wrappingTextBoxFlag xmlns:ma14="http://schemas.microsoft.com/office/mac/drawingml/2011/main" xmlns="" val="1"/>
+              <ma14:wrappingTextBoxFlag xmlns="" xmlns:ma14="http://schemas.microsoft.com/office/mac/drawingml/2011/main" val="1"/>
             </a:ext>
           </a:extLst>
         </p:spPr>
@@ -11519,7 +11519,7 @@
           </a:ln>
           <a:extLst>
             <a:ext uri="{C572A759-6A51-4108-AA02-DFA0A04FC94B}">
-              <ma14:wrappingTextBoxFlag xmlns:ma14="http://schemas.microsoft.com/office/mac/drawingml/2011/main" xmlns="" val="1"/>
+              <ma14:wrappingTextBoxFlag xmlns="" xmlns:ma14="http://schemas.microsoft.com/office/mac/drawingml/2011/main" val="1"/>
             </a:ext>
           </a:extLst>
         </p:spPr>
@@ -11656,7 +11656,7 @@
           </a:ln>
           <a:extLst>
             <a:ext uri="{C572A759-6A51-4108-AA02-DFA0A04FC94B}">
-              <ma14:wrappingTextBoxFlag xmlns:ma14="http://schemas.microsoft.com/office/mac/drawingml/2011/main" xmlns="" val="1"/>
+              <ma14:wrappingTextBoxFlag xmlns="" xmlns:ma14="http://schemas.microsoft.com/office/mac/drawingml/2011/main" val="1"/>
             </a:ext>
           </a:extLst>
         </p:spPr>
@@ -11699,7 +11699,7 @@
           </a:ln>
           <a:extLst>
             <a:ext uri="{C572A759-6A51-4108-AA02-DFA0A04FC94B}">
-              <ma14:wrappingTextBoxFlag xmlns:ma14="http://schemas.microsoft.com/office/mac/drawingml/2011/main" xmlns="" val="1"/>
+              <ma14:wrappingTextBoxFlag xmlns="" xmlns:ma14="http://schemas.microsoft.com/office/mac/drawingml/2011/main" val="1"/>
             </a:ext>
           </a:extLst>
         </p:spPr>
@@ -11744,7 +11744,7 @@
           </a:ln>
           <a:extLst>
             <a:ext uri="{C572A759-6A51-4108-AA02-DFA0A04FC94B}">
-              <ma14:wrappingTextBoxFlag xmlns:ma14="http://schemas.microsoft.com/office/mac/drawingml/2011/main" xmlns="" val="1"/>
+              <ma14:wrappingTextBoxFlag xmlns="" xmlns:ma14="http://schemas.microsoft.com/office/mac/drawingml/2011/main" val="1"/>
             </a:ext>
           </a:extLst>
         </p:spPr>
@@ -11786,7 +11786,7 @@
           </a:ln>
           <a:extLst>
             <a:ext uri="{C572A759-6A51-4108-AA02-DFA0A04FC94B}">
-              <ma14:wrappingTextBoxFlag xmlns:ma14="http://schemas.microsoft.com/office/mac/drawingml/2011/main" xmlns="" val="1"/>
+              <ma14:wrappingTextBoxFlag xmlns="" xmlns:ma14="http://schemas.microsoft.com/office/mac/drawingml/2011/main" val="1"/>
             </a:ext>
           </a:extLst>
         </p:spPr>
@@ -11855,7 +11855,7 @@
           </a:ln>
           <a:extLst>
             <a:ext uri="{C572A759-6A51-4108-AA02-DFA0A04FC94B}">
-              <ma14:wrappingTextBoxFlag xmlns:ma14="http://schemas.microsoft.com/office/mac/drawingml/2011/main" xmlns="" val="1"/>
+              <ma14:wrappingTextBoxFlag xmlns="" xmlns:ma14="http://schemas.microsoft.com/office/mac/drawingml/2011/main" val="1"/>
             </a:ext>
           </a:extLst>
         </p:spPr>
@@ -11900,7 +11900,7 @@
           </a:ln>
           <a:extLst>
             <a:ext uri="{C572A759-6A51-4108-AA02-DFA0A04FC94B}">
-              <ma14:wrappingTextBoxFlag xmlns:ma14="http://schemas.microsoft.com/office/mac/drawingml/2011/main" xmlns="" val="1"/>
+              <ma14:wrappingTextBoxFlag xmlns="" xmlns:ma14="http://schemas.microsoft.com/office/mac/drawingml/2011/main" val="1"/>
             </a:ext>
           </a:extLst>
         </p:spPr>
@@ -11999,7 +11999,7 @@
           </a:ln>
           <a:extLst>
             <a:ext uri="{C572A759-6A51-4108-AA02-DFA0A04FC94B}">
-              <ma14:wrappingTextBoxFlag xmlns:ma14="http://schemas.microsoft.com/office/mac/drawingml/2011/main" xmlns="" val="1"/>
+              <ma14:wrappingTextBoxFlag xmlns="" xmlns:ma14="http://schemas.microsoft.com/office/mac/drawingml/2011/main" val="1"/>
             </a:ext>
           </a:extLst>
         </p:spPr>
@@ -12042,7 +12042,7 @@
           </a:ln>
           <a:extLst>
             <a:ext uri="{C572A759-6A51-4108-AA02-DFA0A04FC94B}">
-              <ma14:wrappingTextBoxFlag xmlns:ma14="http://schemas.microsoft.com/office/mac/drawingml/2011/main" xmlns="" val="1"/>
+              <ma14:wrappingTextBoxFlag xmlns="" xmlns:ma14="http://schemas.microsoft.com/office/mac/drawingml/2011/main" val="1"/>
             </a:ext>
           </a:extLst>
         </p:spPr>
@@ -12087,7 +12087,7 @@
           </a:ln>
           <a:extLst>
             <a:ext uri="{C572A759-6A51-4108-AA02-DFA0A04FC94B}">
-              <ma14:wrappingTextBoxFlag xmlns:ma14="http://schemas.microsoft.com/office/mac/drawingml/2011/main" xmlns="" val="1"/>
+              <ma14:wrappingTextBoxFlag xmlns="" xmlns:ma14="http://schemas.microsoft.com/office/mac/drawingml/2011/main" val="1"/>
             </a:ext>
           </a:extLst>
         </p:spPr>
@@ -12129,7 +12129,7 @@
           </a:ln>
           <a:extLst>
             <a:ext uri="{C572A759-6A51-4108-AA02-DFA0A04FC94B}">
-              <ma14:wrappingTextBoxFlag xmlns:ma14="http://schemas.microsoft.com/office/mac/drawingml/2011/main" xmlns="" val="1"/>
+              <ma14:wrappingTextBoxFlag xmlns="" xmlns:ma14="http://schemas.microsoft.com/office/mac/drawingml/2011/main" val="1"/>
             </a:ext>
           </a:extLst>
         </p:spPr>
@@ -12208,7 +12208,7 @@
           </a:ln>
           <a:extLst>
             <a:ext uri="{C572A759-6A51-4108-AA02-DFA0A04FC94B}">
-              <ma14:wrappingTextBoxFlag xmlns:ma14="http://schemas.microsoft.com/office/mac/drawingml/2011/main" xmlns="" val="1"/>
+              <ma14:wrappingTextBoxFlag xmlns="" xmlns:ma14="http://schemas.microsoft.com/office/mac/drawingml/2011/main" val="1"/>
             </a:ext>
           </a:extLst>
         </p:spPr>
@@ -12253,7 +12253,7 @@
           </a:ln>
           <a:extLst>
             <a:ext uri="{C572A759-6A51-4108-AA02-DFA0A04FC94B}">
-              <ma14:wrappingTextBoxFlag xmlns:ma14="http://schemas.microsoft.com/office/mac/drawingml/2011/main" xmlns="" val="1"/>
+              <ma14:wrappingTextBoxFlag xmlns="" xmlns:ma14="http://schemas.microsoft.com/office/mac/drawingml/2011/main" val="1"/>
             </a:ext>
           </a:extLst>
         </p:spPr>
@@ -12298,7 +12298,7 @@
           </a:ln>
           <a:extLst>
             <a:ext uri="{C572A759-6A51-4108-AA02-DFA0A04FC94B}">
-              <ma14:wrappingTextBoxFlag xmlns:ma14="http://schemas.microsoft.com/office/mac/drawingml/2011/main" xmlns="" val="1"/>
+              <ma14:wrappingTextBoxFlag xmlns="" xmlns:ma14="http://schemas.microsoft.com/office/mac/drawingml/2011/main" val="1"/>
             </a:ext>
           </a:extLst>
         </p:spPr>
@@ -12680,7 +12680,7 @@
           </a:ln>
           <a:extLst>
             <a:ext uri="{C572A759-6A51-4108-AA02-DFA0A04FC94B}">
-              <ma14:wrappingTextBoxFlag xmlns:ma14="http://schemas.microsoft.com/office/mac/drawingml/2011/main" xmlns="" val="1"/>
+              <ma14:wrappingTextBoxFlag xmlns="" xmlns:ma14="http://schemas.microsoft.com/office/mac/drawingml/2011/main" val="1"/>
             </a:ext>
           </a:extLst>
         </p:spPr>
@@ -12723,7 +12723,7 @@
           </a:ln>
           <a:extLst>
             <a:ext uri="{C572A759-6A51-4108-AA02-DFA0A04FC94B}">
-              <ma14:wrappingTextBoxFlag xmlns:ma14="http://schemas.microsoft.com/office/mac/drawingml/2011/main" xmlns="" val="1"/>
+              <ma14:wrappingTextBoxFlag xmlns="" xmlns:ma14="http://schemas.microsoft.com/office/mac/drawingml/2011/main" val="1"/>
             </a:ext>
           </a:extLst>
         </p:spPr>
@@ -12768,7 +12768,7 @@
           </a:ln>
           <a:extLst>
             <a:ext uri="{C572A759-6A51-4108-AA02-DFA0A04FC94B}">
-              <ma14:wrappingTextBoxFlag xmlns:ma14="http://schemas.microsoft.com/office/mac/drawingml/2011/main" xmlns="" val="1"/>
+              <ma14:wrappingTextBoxFlag xmlns="" xmlns:ma14="http://schemas.microsoft.com/office/mac/drawingml/2011/main" val="1"/>
             </a:ext>
           </a:extLst>
         </p:spPr>
@@ -12810,7 +12810,7 @@
           </a:ln>
           <a:extLst>
             <a:ext uri="{C572A759-6A51-4108-AA02-DFA0A04FC94B}">
-              <ma14:wrappingTextBoxFlag xmlns:ma14="http://schemas.microsoft.com/office/mac/drawingml/2011/main" xmlns="" val="1"/>
+              <ma14:wrappingTextBoxFlag xmlns="" xmlns:ma14="http://schemas.microsoft.com/office/mac/drawingml/2011/main" val="1"/>
             </a:ext>
           </a:extLst>
         </p:spPr>
@@ -12879,7 +12879,7 @@
           </a:ln>
           <a:extLst>
             <a:ext uri="{C572A759-6A51-4108-AA02-DFA0A04FC94B}">
-              <ma14:wrappingTextBoxFlag xmlns:ma14="http://schemas.microsoft.com/office/mac/drawingml/2011/main" xmlns="" val="1"/>
+              <ma14:wrappingTextBoxFlag xmlns="" xmlns:ma14="http://schemas.microsoft.com/office/mac/drawingml/2011/main" val="1"/>
             </a:ext>
           </a:extLst>
         </p:spPr>
@@ -12924,7 +12924,7 @@
           </a:ln>
           <a:extLst>
             <a:ext uri="{C572A759-6A51-4108-AA02-DFA0A04FC94B}">
-              <ma14:wrappingTextBoxFlag xmlns:ma14="http://schemas.microsoft.com/office/mac/drawingml/2011/main" xmlns="" val="1"/>
+              <ma14:wrappingTextBoxFlag xmlns="" xmlns:ma14="http://schemas.microsoft.com/office/mac/drawingml/2011/main" val="1"/>
             </a:ext>
           </a:extLst>
         </p:spPr>
@@ -12969,7 +12969,7 @@
           </a:ln>
           <a:extLst>
             <a:ext uri="{C572A759-6A51-4108-AA02-DFA0A04FC94B}">
-              <ma14:wrappingTextBoxFlag xmlns:ma14="http://schemas.microsoft.com/office/mac/drawingml/2011/main" xmlns="" val="1"/>
+              <ma14:wrappingTextBoxFlag xmlns="" xmlns:ma14="http://schemas.microsoft.com/office/mac/drawingml/2011/main" val="1"/>
             </a:ext>
           </a:extLst>
         </p:spPr>
@@ -13070,7 +13070,7 @@
           </a:ln>
           <a:extLst>
             <a:ext uri="{C572A759-6A51-4108-AA02-DFA0A04FC94B}">
-              <ma14:wrappingTextBoxFlag xmlns:ma14="http://schemas.microsoft.com/office/mac/drawingml/2011/main" xmlns="" val="1"/>
+              <ma14:wrappingTextBoxFlag xmlns="" xmlns:ma14="http://schemas.microsoft.com/office/mac/drawingml/2011/main" val="1"/>
             </a:ext>
           </a:extLst>
         </p:spPr>
@@ -14025,7 +14025,7 @@
           </a:ln>
           <a:extLst>
             <a:ext uri="{C572A759-6A51-4108-AA02-DFA0A04FC94B}">
-              <ma14:wrappingTextBoxFlag xmlns:ma14="http://schemas.microsoft.com/office/mac/drawingml/2011/main" xmlns="" val="1"/>
+              <ma14:wrappingTextBoxFlag xmlns="" xmlns:ma14="http://schemas.microsoft.com/office/mac/drawingml/2011/main" val="1"/>
             </a:ext>
           </a:extLst>
         </p:spPr>
@@ -14396,7 +14396,7 @@
           </a:ln>
           <a:extLst>
             <a:ext uri="{C572A759-6A51-4108-AA02-DFA0A04FC94B}">
-              <ma14:wrappingTextBoxFlag xmlns:ma14="http://schemas.microsoft.com/office/mac/drawingml/2011/main" xmlns="" val="1"/>
+              <ma14:wrappingTextBoxFlag xmlns="" xmlns:ma14="http://schemas.microsoft.com/office/mac/drawingml/2011/main" val="1"/>
             </a:ext>
           </a:extLst>
         </p:spPr>
@@ -14441,7 +14441,7 @@
           </a:ln>
           <a:extLst>
             <a:ext uri="{C572A759-6A51-4108-AA02-DFA0A04FC94B}">
-              <ma14:wrappingTextBoxFlag xmlns:ma14="http://schemas.microsoft.com/office/mac/drawingml/2011/main" xmlns="" val="1"/>
+              <ma14:wrappingTextBoxFlag xmlns="" xmlns:ma14="http://schemas.microsoft.com/office/mac/drawingml/2011/main" val="1"/>
             </a:ext>
           </a:extLst>
         </p:spPr>
@@ -14486,7 +14486,7 @@
           </a:ln>
           <a:extLst>
             <a:ext uri="{C572A759-6A51-4108-AA02-DFA0A04FC94B}">
-              <ma14:wrappingTextBoxFlag xmlns:ma14="http://schemas.microsoft.com/office/mac/drawingml/2011/main" xmlns="" val="1"/>
+              <ma14:wrappingTextBoxFlag xmlns="" xmlns:ma14="http://schemas.microsoft.com/office/mac/drawingml/2011/main" val="1"/>
             </a:ext>
           </a:extLst>
         </p:spPr>
@@ -14531,7 +14531,7 @@
           </a:ln>
           <a:extLst>
             <a:ext uri="{C572A759-6A51-4108-AA02-DFA0A04FC94B}">
-              <ma14:wrappingTextBoxFlag xmlns:ma14="http://schemas.microsoft.com/office/mac/drawingml/2011/main" xmlns="" val="1"/>
+              <ma14:wrappingTextBoxFlag xmlns="" xmlns:ma14="http://schemas.microsoft.com/office/mac/drawingml/2011/main" val="1"/>
             </a:ext>
           </a:extLst>
         </p:spPr>
@@ -14576,7 +14576,7 @@
           </a:ln>
           <a:extLst>
             <a:ext uri="{C572A759-6A51-4108-AA02-DFA0A04FC94B}">
-              <ma14:wrappingTextBoxFlag xmlns:ma14="http://schemas.microsoft.com/office/mac/drawingml/2011/main" xmlns="" val="1"/>
+              <ma14:wrappingTextBoxFlag xmlns="" xmlns:ma14="http://schemas.microsoft.com/office/mac/drawingml/2011/main" val="1"/>
             </a:ext>
           </a:extLst>
         </p:spPr>
@@ -14621,7 +14621,7 @@
           </a:ln>
           <a:extLst>
             <a:ext uri="{C572A759-6A51-4108-AA02-DFA0A04FC94B}">
-              <ma14:wrappingTextBoxFlag xmlns:ma14="http://schemas.microsoft.com/office/mac/drawingml/2011/main" xmlns="" val="1"/>
+              <ma14:wrappingTextBoxFlag xmlns="" xmlns:ma14="http://schemas.microsoft.com/office/mac/drawingml/2011/main" val="1"/>
             </a:ext>
           </a:extLst>
         </p:spPr>
@@ -14666,7 +14666,7 @@
           </a:ln>
           <a:extLst>
             <a:ext uri="{C572A759-6A51-4108-AA02-DFA0A04FC94B}">
-              <ma14:wrappingTextBoxFlag xmlns:ma14="http://schemas.microsoft.com/office/mac/drawingml/2011/main" xmlns="" val="1"/>
+              <ma14:wrappingTextBoxFlag xmlns="" xmlns:ma14="http://schemas.microsoft.com/office/mac/drawingml/2011/main" val="1"/>
             </a:ext>
           </a:extLst>
         </p:spPr>
@@ -14711,7 +14711,7 @@
           </a:ln>
           <a:extLst>
             <a:ext uri="{C572A759-6A51-4108-AA02-DFA0A04FC94B}">
-              <ma14:wrappingTextBoxFlag xmlns:ma14="http://schemas.microsoft.com/office/mac/drawingml/2011/main" xmlns="" val="1"/>
+              <ma14:wrappingTextBoxFlag xmlns="" xmlns:ma14="http://schemas.microsoft.com/office/mac/drawingml/2011/main" val="1"/>
             </a:ext>
           </a:extLst>
         </p:spPr>
@@ -14756,7 +14756,7 @@
           </a:ln>
           <a:extLst>
             <a:ext uri="{C572A759-6A51-4108-AA02-DFA0A04FC94B}">
-              <ma14:wrappingTextBoxFlag xmlns:ma14="http://schemas.microsoft.com/office/mac/drawingml/2011/main" xmlns="" val="1"/>
+              <ma14:wrappingTextBoxFlag xmlns="" xmlns:ma14="http://schemas.microsoft.com/office/mac/drawingml/2011/main" val="1"/>
             </a:ext>
           </a:extLst>
         </p:spPr>
@@ -14801,7 +14801,7 @@
           </a:ln>
           <a:extLst>
             <a:ext uri="{C572A759-6A51-4108-AA02-DFA0A04FC94B}">
-              <ma14:wrappingTextBoxFlag xmlns:ma14="http://schemas.microsoft.com/office/mac/drawingml/2011/main" xmlns="" val="1"/>
+              <ma14:wrappingTextBoxFlag xmlns="" xmlns:ma14="http://schemas.microsoft.com/office/mac/drawingml/2011/main" val="1"/>
             </a:ext>
           </a:extLst>
         </p:spPr>
@@ -14846,7 +14846,7 @@
           </a:ln>
           <a:extLst>
             <a:ext uri="{C572A759-6A51-4108-AA02-DFA0A04FC94B}">
-              <ma14:wrappingTextBoxFlag xmlns:ma14="http://schemas.microsoft.com/office/mac/drawingml/2011/main" xmlns="" val="1"/>
+              <ma14:wrappingTextBoxFlag xmlns="" xmlns:ma14="http://schemas.microsoft.com/office/mac/drawingml/2011/main" val="1"/>
             </a:ext>
           </a:extLst>
         </p:spPr>
@@ -15261,7 +15261,7 @@
           </a:ln>
           <a:extLst>
             <a:ext uri="{C572A759-6A51-4108-AA02-DFA0A04FC94B}">
-              <ma14:wrappingTextBoxFlag xmlns:ma14="http://schemas.microsoft.com/office/mac/drawingml/2011/main" xmlns="" val="1"/>
+              <ma14:wrappingTextBoxFlag xmlns="" xmlns:ma14="http://schemas.microsoft.com/office/mac/drawingml/2011/main" val="1"/>
             </a:ext>
           </a:extLst>
         </p:spPr>
@@ -15306,7 +15306,7 @@
           </a:ln>
           <a:extLst>
             <a:ext uri="{C572A759-6A51-4108-AA02-DFA0A04FC94B}">
-              <ma14:wrappingTextBoxFlag xmlns:ma14="http://schemas.microsoft.com/office/mac/drawingml/2011/main" xmlns="" val="1"/>
+              <ma14:wrappingTextBoxFlag xmlns="" xmlns:ma14="http://schemas.microsoft.com/office/mac/drawingml/2011/main" val="1"/>
             </a:ext>
           </a:extLst>
         </p:spPr>
@@ -15504,7 +15504,7 @@
           </a:ln>
           <a:extLst>
             <a:ext uri="{C572A759-6A51-4108-AA02-DFA0A04FC94B}">
-              <ma14:wrappingTextBoxFlag xmlns:ma14="http://schemas.microsoft.com/office/mac/drawingml/2011/main" xmlns="" val="1"/>
+              <ma14:wrappingTextBoxFlag xmlns="" xmlns:ma14="http://schemas.microsoft.com/office/mac/drawingml/2011/main" val="1"/>
             </a:ext>
           </a:extLst>
         </p:spPr>
@@ -15541,7 +15541,7 @@
           </a:ln>
           <a:extLst>
             <a:ext uri="{C572A759-6A51-4108-AA02-DFA0A04FC94B}">
-              <ma14:wrappingTextBoxFlag xmlns:ma14="http://schemas.microsoft.com/office/mac/drawingml/2011/main" xmlns="" val="1"/>
+              <ma14:wrappingTextBoxFlag xmlns="" xmlns:ma14="http://schemas.microsoft.com/office/mac/drawingml/2011/main" val="1"/>
             </a:ext>
           </a:extLst>
         </p:spPr>
@@ -15615,7 +15615,7 @@
           </a:ln>
           <a:extLst>
             <a:ext uri="{C572A759-6A51-4108-AA02-DFA0A04FC94B}">
-              <ma14:wrappingTextBoxFlag xmlns:ma14="http://schemas.microsoft.com/office/mac/drawingml/2011/main" xmlns="" val="1"/>
+              <ma14:wrappingTextBoxFlag xmlns="" xmlns:ma14="http://schemas.microsoft.com/office/mac/drawingml/2011/main" val="1"/>
             </a:ext>
           </a:extLst>
         </p:spPr>
@@ -15724,7 +15724,7 @@
           </a:ln>
           <a:extLst>
             <a:ext uri="{C572A759-6A51-4108-AA02-DFA0A04FC94B}">
-              <ma14:wrappingTextBoxFlag xmlns:ma14="http://schemas.microsoft.com/office/mac/drawingml/2011/main" xmlns="" val="1"/>
+              <ma14:wrappingTextBoxFlag xmlns="" xmlns:ma14="http://schemas.microsoft.com/office/mac/drawingml/2011/main" val="1"/>
             </a:ext>
           </a:extLst>
         </p:spPr>
@@ -15769,7 +15769,7 @@
           </a:ln>
           <a:extLst>
             <a:ext uri="{C572A759-6A51-4108-AA02-DFA0A04FC94B}">
-              <ma14:wrappingTextBoxFlag xmlns:ma14="http://schemas.microsoft.com/office/mac/drawingml/2011/main" xmlns="" val="1"/>
+              <ma14:wrappingTextBoxFlag xmlns="" xmlns:ma14="http://schemas.microsoft.com/office/mac/drawingml/2011/main" val="1"/>
             </a:ext>
           </a:extLst>
         </p:spPr>
@@ -15814,7 +15814,7 @@
           </a:ln>
           <a:extLst>
             <a:ext uri="{C572A759-6A51-4108-AA02-DFA0A04FC94B}">
-              <ma14:wrappingTextBoxFlag xmlns:ma14="http://schemas.microsoft.com/office/mac/drawingml/2011/main" xmlns="" val="1"/>
+              <ma14:wrappingTextBoxFlag xmlns="" xmlns:ma14="http://schemas.microsoft.com/office/mac/drawingml/2011/main" val="1"/>
             </a:ext>
           </a:extLst>
         </p:spPr>
@@ -15859,7 +15859,7 @@
           </a:ln>
           <a:extLst>
             <a:ext uri="{C572A759-6A51-4108-AA02-DFA0A04FC94B}">
-              <ma14:wrappingTextBoxFlag xmlns:ma14="http://schemas.microsoft.com/office/mac/drawingml/2011/main" xmlns="" val="1"/>
+              <ma14:wrappingTextBoxFlag xmlns="" xmlns:ma14="http://schemas.microsoft.com/office/mac/drawingml/2011/main" val="1"/>
             </a:ext>
           </a:extLst>
         </p:spPr>
@@ -15904,7 +15904,7 @@
           </a:ln>
           <a:extLst>
             <a:ext uri="{C572A759-6A51-4108-AA02-DFA0A04FC94B}">
-              <ma14:wrappingTextBoxFlag xmlns:ma14="http://schemas.microsoft.com/office/mac/drawingml/2011/main" xmlns="" val="1"/>
+              <ma14:wrappingTextBoxFlag xmlns="" xmlns:ma14="http://schemas.microsoft.com/office/mac/drawingml/2011/main" val="1"/>
             </a:ext>
           </a:extLst>
         </p:spPr>
@@ -15949,7 +15949,7 @@
           </a:ln>
           <a:extLst>
             <a:ext uri="{C572A759-6A51-4108-AA02-DFA0A04FC94B}">
-              <ma14:wrappingTextBoxFlag xmlns:ma14="http://schemas.microsoft.com/office/mac/drawingml/2011/main" xmlns="" val="1"/>
+              <ma14:wrappingTextBoxFlag xmlns="" xmlns:ma14="http://schemas.microsoft.com/office/mac/drawingml/2011/main" val="1"/>
             </a:ext>
           </a:extLst>
         </p:spPr>
@@ -15994,7 +15994,7 @@
           </a:ln>
           <a:extLst>
             <a:ext uri="{C572A759-6A51-4108-AA02-DFA0A04FC94B}">
-              <ma14:wrappingTextBoxFlag xmlns:ma14="http://schemas.microsoft.com/office/mac/drawingml/2011/main" xmlns="" val="1"/>
+              <ma14:wrappingTextBoxFlag xmlns="" xmlns:ma14="http://schemas.microsoft.com/office/mac/drawingml/2011/main" val="1"/>
             </a:ext>
           </a:extLst>
         </p:spPr>
@@ -16039,7 +16039,7 @@
           </a:ln>
           <a:extLst>
             <a:ext uri="{C572A759-6A51-4108-AA02-DFA0A04FC94B}">
-              <ma14:wrappingTextBoxFlag xmlns:ma14="http://schemas.microsoft.com/office/mac/drawingml/2011/main" xmlns="" val="1"/>
+              <ma14:wrappingTextBoxFlag xmlns="" xmlns:ma14="http://schemas.microsoft.com/office/mac/drawingml/2011/main" val="1"/>
             </a:ext>
           </a:extLst>
         </p:spPr>
@@ -16084,7 +16084,7 @@
           </a:ln>
           <a:extLst>
             <a:ext uri="{C572A759-6A51-4108-AA02-DFA0A04FC94B}">
-              <ma14:wrappingTextBoxFlag xmlns:ma14="http://schemas.microsoft.com/office/mac/drawingml/2011/main" xmlns="" val="1"/>
+              <ma14:wrappingTextBoxFlag xmlns="" xmlns:ma14="http://schemas.microsoft.com/office/mac/drawingml/2011/main" val="1"/>
             </a:ext>
           </a:extLst>
         </p:spPr>
@@ -16129,7 +16129,7 @@
           </a:ln>
           <a:extLst>
             <a:ext uri="{C572A759-6A51-4108-AA02-DFA0A04FC94B}">
-              <ma14:wrappingTextBoxFlag xmlns:ma14="http://schemas.microsoft.com/office/mac/drawingml/2011/main" xmlns="" val="1"/>
+              <ma14:wrappingTextBoxFlag xmlns="" xmlns:ma14="http://schemas.microsoft.com/office/mac/drawingml/2011/main" val="1"/>
             </a:ext>
           </a:extLst>
         </p:spPr>
@@ -16174,7 +16174,7 @@
           </a:ln>
           <a:extLst>
             <a:ext uri="{C572A759-6A51-4108-AA02-DFA0A04FC94B}">
-              <ma14:wrappingTextBoxFlag xmlns:ma14="http://schemas.microsoft.com/office/mac/drawingml/2011/main" xmlns="" val="1"/>
+              <ma14:wrappingTextBoxFlag xmlns="" xmlns:ma14="http://schemas.microsoft.com/office/mac/drawingml/2011/main" val="1"/>
             </a:ext>
           </a:extLst>
         </p:spPr>
@@ -16589,7 +16589,7 @@
           </a:ln>
           <a:extLst>
             <a:ext uri="{C572A759-6A51-4108-AA02-DFA0A04FC94B}">
-              <ma14:wrappingTextBoxFlag xmlns:ma14="http://schemas.microsoft.com/office/mac/drawingml/2011/main" xmlns="" val="1"/>
+              <ma14:wrappingTextBoxFlag xmlns="" xmlns:ma14="http://schemas.microsoft.com/office/mac/drawingml/2011/main" val="1"/>
             </a:ext>
           </a:extLst>
         </p:spPr>
@@ -16634,7 +16634,7 @@
           </a:ln>
           <a:extLst>
             <a:ext uri="{C572A759-6A51-4108-AA02-DFA0A04FC94B}">
-              <ma14:wrappingTextBoxFlag xmlns:ma14="http://schemas.microsoft.com/office/mac/drawingml/2011/main" xmlns="" val="1"/>
+              <ma14:wrappingTextBoxFlag xmlns="" xmlns:ma14="http://schemas.microsoft.com/office/mac/drawingml/2011/main" val="1"/>
             </a:ext>
           </a:extLst>
         </p:spPr>
@@ -16850,7 +16850,7 @@
           </a:ln>
           <a:extLst>
             <a:ext uri="{C572A759-6A51-4108-AA02-DFA0A04FC94B}">
-              <ma14:wrappingTextBoxFlag xmlns:ma14="http://schemas.microsoft.com/office/mac/drawingml/2011/main" xmlns="" val="1"/>
+              <ma14:wrappingTextBoxFlag xmlns="" xmlns:ma14="http://schemas.microsoft.com/office/mac/drawingml/2011/main" val="1"/>
             </a:ext>
           </a:extLst>
         </p:spPr>
@@ -16893,7 +16893,7 @@
           </a:ln>
           <a:extLst>
             <a:ext uri="{C572A759-6A51-4108-AA02-DFA0A04FC94B}">
-              <ma14:wrappingTextBoxFlag xmlns:ma14="http://schemas.microsoft.com/office/mac/drawingml/2011/main" xmlns="" val="1"/>
+              <ma14:wrappingTextBoxFlag xmlns="" xmlns:ma14="http://schemas.microsoft.com/office/mac/drawingml/2011/main" val="1"/>
             </a:ext>
           </a:extLst>
         </p:spPr>
@@ -16979,7 +16979,7 @@
           </a:ln>
           <a:extLst>
             <a:ext uri="{C572A759-6A51-4108-AA02-DFA0A04FC94B}">
-              <ma14:wrappingTextBoxFlag xmlns:ma14="http://schemas.microsoft.com/office/mac/drawingml/2011/main" xmlns="" val="1"/>
+              <ma14:wrappingTextBoxFlag xmlns="" xmlns:ma14="http://schemas.microsoft.com/office/mac/drawingml/2011/main" val="1"/>
             </a:ext>
           </a:extLst>
         </p:spPr>
@@ -17088,7 +17088,7 @@
           </a:ln>
           <a:extLst>
             <a:ext uri="{C572A759-6A51-4108-AA02-DFA0A04FC94B}">
-              <ma14:wrappingTextBoxFlag xmlns:ma14="http://schemas.microsoft.com/office/mac/drawingml/2011/main" xmlns="" val="1"/>
+              <ma14:wrappingTextBoxFlag xmlns="" xmlns:ma14="http://schemas.microsoft.com/office/mac/drawingml/2011/main" val="1"/>
             </a:ext>
           </a:extLst>
         </p:spPr>
@@ -17133,7 +17133,7 @@
           </a:ln>
           <a:extLst>
             <a:ext uri="{C572A759-6A51-4108-AA02-DFA0A04FC94B}">
-              <ma14:wrappingTextBoxFlag xmlns:ma14="http://schemas.microsoft.com/office/mac/drawingml/2011/main" xmlns="" val="1"/>
+              <ma14:wrappingTextBoxFlag xmlns="" xmlns:ma14="http://schemas.microsoft.com/office/mac/drawingml/2011/main" val="1"/>
             </a:ext>
           </a:extLst>
         </p:spPr>
@@ -17178,7 +17178,7 @@
           </a:ln>
           <a:extLst>
             <a:ext uri="{C572A759-6A51-4108-AA02-DFA0A04FC94B}">
-              <ma14:wrappingTextBoxFlag xmlns:ma14="http://schemas.microsoft.com/office/mac/drawingml/2011/main" xmlns="" val="1"/>
+              <ma14:wrappingTextBoxFlag xmlns="" xmlns:ma14="http://schemas.microsoft.com/office/mac/drawingml/2011/main" val="1"/>
             </a:ext>
           </a:extLst>
         </p:spPr>
@@ -17223,7 +17223,7 @@
           </a:ln>
           <a:extLst>
             <a:ext uri="{C572A759-6A51-4108-AA02-DFA0A04FC94B}">
-              <ma14:wrappingTextBoxFlag xmlns:ma14="http://schemas.microsoft.com/office/mac/drawingml/2011/main" xmlns="" val="1"/>
+              <ma14:wrappingTextBoxFlag xmlns="" xmlns:ma14="http://schemas.microsoft.com/office/mac/drawingml/2011/main" val="1"/>
             </a:ext>
           </a:extLst>
         </p:spPr>
@@ -17268,7 +17268,7 @@
           </a:ln>
           <a:extLst>
             <a:ext uri="{C572A759-6A51-4108-AA02-DFA0A04FC94B}">
-              <ma14:wrappingTextBoxFlag xmlns:ma14="http://schemas.microsoft.com/office/mac/drawingml/2011/main" xmlns="" val="1"/>
+              <ma14:wrappingTextBoxFlag xmlns="" xmlns:ma14="http://schemas.microsoft.com/office/mac/drawingml/2011/main" val="1"/>
             </a:ext>
           </a:extLst>
         </p:spPr>
@@ -17313,7 +17313,7 @@
           </a:ln>
           <a:extLst>
             <a:ext uri="{C572A759-6A51-4108-AA02-DFA0A04FC94B}">
-              <ma14:wrappingTextBoxFlag xmlns:ma14="http://schemas.microsoft.com/office/mac/drawingml/2011/main" xmlns="" val="1"/>
+              <ma14:wrappingTextBoxFlag xmlns="" xmlns:ma14="http://schemas.microsoft.com/office/mac/drawingml/2011/main" val="1"/>
             </a:ext>
           </a:extLst>
         </p:spPr>
@@ -17358,7 +17358,7 @@
           </a:ln>
           <a:extLst>
             <a:ext uri="{C572A759-6A51-4108-AA02-DFA0A04FC94B}">
-              <ma14:wrappingTextBoxFlag xmlns:ma14="http://schemas.microsoft.com/office/mac/drawingml/2011/main" xmlns="" val="1"/>
+              <ma14:wrappingTextBoxFlag xmlns="" xmlns:ma14="http://schemas.microsoft.com/office/mac/drawingml/2011/main" val="1"/>
             </a:ext>
           </a:extLst>
         </p:spPr>
@@ -17403,7 +17403,7 @@
           </a:ln>
           <a:extLst>
             <a:ext uri="{C572A759-6A51-4108-AA02-DFA0A04FC94B}">
-              <ma14:wrappingTextBoxFlag xmlns:ma14="http://schemas.microsoft.com/office/mac/drawingml/2011/main" xmlns="" val="1"/>
+              <ma14:wrappingTextBoxFlag xmlns="" xmlns:ma14="http://schemas.microsoft.com/office/mac/drawingml/2011/main" val="1"/>
             </a:ext>
           </a:extLst>
         </p:spPr>
@@ -17448,7 +17448,7 @@
           </a:ln>
           <a:extLst>
             <a:ext uri="{C572A759-6A51-4108-AA02-DFA0A04FC94B}">
-              <ma14:wrappingTextBoxFlag xmlns:ma14="http://schemas.microsoft.com/office/mac/drawingml/2011/main" xmlns="" val="1"/>
+              <ma14:wrappingTextBoxFlag xmlns="" xmlns:ma14="http://schemas.microsoft.com/office/mac/drawingml/2011/main" val="1"/>
             </a:ext>
           </a:extLst>
         </p:spPr>
@@ -17493,7 +17493,7 @@
           </a:ln>
           <a:extLst>
             <a:ext uri="{C572A759-6A51-4108-AA02-DFA0A04FC94B}">
-              <ma14:wrappingTextBoxFlag xmlns:ma14="http://schemas.microsoft.com/office/mac/drawingml/2011/main" xmlns="" val="1"/>
+              <ma14:wrappingTextBoxFlag xmlns="" xmlns:ma14="http://schemas.microsoft.com/office/mac/drawingml/2011/main" val="1"/>
             </a:ext>
           </a:extLst>
         </p:spPr>
@@ -17538,7 +17538,7 @@
           </a:ln>
           <a:extLst>
             <a:ext uri="{C572A759-6A51-4108-AA02-DFA0A04FC94B}">
-              <ma14:wrappingTextBoxFlag xmlns:ma14="http://schemas.microsoft.com/office/mac/drawingml/2011/main" xmlns="" val="1"/>
+              <ma14:wrappingTextBoxFlag xmlns="" xmlns:ma14="http://schemas.microsoft.com/office/mac/drawingml/2011/main" val="1"/>
             </a:ext>
           </a:extLst>
         </p:spPr>
@@ -17953,7 +17953,7 @@
           </a:ln>
           <a:extLst>
             <a:ext uri="{C572A759-6A51-4108-AA02-DFA0A04FC94B}">
-              <ma14:wrappingTextBoxFlag xmlns:ma14="http://schemas.microsoft.com/office/mac/drawingml/2011/main" xmlns="" val="1"/>
+              <ma14:wrappingTextBoxFlag xmlns="" xmlns:ma14="http://schemas.microsoft.com/office/mac/drawingml/2011/main" val="1"/>
             </a:ext>
           </a:extLst>
         </p:spPr>
@@ -18006,7 +18006,7 @@
           </a:ln>
           <a:extLst>
             <a:ext uri="{C572A759-6A51-4108-AA02-DFA0A04FC94B}">
-              <ma14:wrappingTextBoxFlag xmlns:ma14="http://schemas.microsoft.com/office/mac/drawingml/2011/main" xmlns="" val="1"/>
+              <ma14:wrappingTextBoxFlag xmlns="" xmlns:ma14="http://schemas.microsoft.com/office/mac/drawingml/2011/main" val="1"/>
             </a:ext>
           </a:extLst>
         </p:spPr>
@@ -18222,7 +18222,7 @@
           </a:ln>
           <a:extLst>
             <a:ext uri="{C572A759-6A51-4108-AA02-DFA0A04FC94B}">
-              <ma14:wrappingTextBoxFlag xmlns:ma14="http://schemas.microsoft.com/office/mac/drawingml/2011/main" xmlns="" val="1"/>
+              <ma14:wrappingTextBoxFlag xmlns="" xmlns:ma14="http://schemas.microsoft.com/office/mac/drawingml/2011/main" val="1"/>
             </a:ext>
           </a:extLst>
         </p:spPr>
@@ -18265,7 +18265,7 @@
           </a:ln>
           <a:extLst>
             <a:ext uri="{C572A759-6A51-4108-AA02-DFA0A04FC94B}">
-              <ma14:wrappingTextBoxFlag xmlns:ma14="http://schemas.microsoft.com/office/mac/drawingml/2011/main" xmlns="" val="1"/>
+              <ma14:wrappingTextBoxFlag xmlns="" xmlns:ma14="http://schemas.microsoft.com/office/mac/drawingml/2011/main" val="1"/>
             </a:ext>
           </a:extLst>
         </p:spPr>
@@ -18351,7 +18351,7 @@
           </a:ln>
           <a:extLst>
             <a:ext uri="{C572A759-6A51-4108-AA02-DFA0A04FC94B}">
-              <ma14:wrappingTextBoxFlag xmlns:ma14="http://schemas.microsoft.com/office/mac/drawingml/2011/main" xmlns="" val="1"/>
+              <ma14:wrappingTextBoxFlag xmlns="" xmlns:ma14="http://schemas.microsoft.com/office/mac/drawingml/2011/main" val="1"/>
             </a:ext>
           </a:extLst>
         </p:spPr>
@@ -18460,7 +18460,7 @@
           </a:ln>
           <a:extLst>
             <a:ext uri="{C572A759-6A51-4108-AA02-DFA0A04FC94B}">
-              <ma14:wrappingTextBoxFlag xmlns:ma14="http://schemas.microsoft.com/office/mac/drawingml/2011/main" xmlns="" val="1"/>
+              <ma14:wrappingTextBoxFlag xmlns="" xmlns:ma14="http://schemas.microsoft.com/office/mac/drawingml/2011/main" val="1"/>
             </a:ext>
           </a:extLst>
         </p:spPr>
@@ -18505,7 +18505,7 @@
           </a:ln>
           <a:extLst>
             <a:ext uri="{C572A759-6A51-4108-AA02-DFA0A04FC94B}">
-              <ma14:wrappingTextBoxFlag xmlns:ma14="http://schemas.microsoft.com/office/mac/drawingml/2011/main" xmlns="" val="1"/>
+              <ma14:wrappingTextBoxFlag xmlns="" xmlns:ma14="http://schemas.microsoft.com/office/mac/drawingml/2011/main" val="1"/>
             </a:ext>
           </a:extLst>
         </p:spPr>
@@ -18550,7 +18550,7 @@
           </a:ln>
           <a:extLst>
             <a:ext uri="{C572A759-6A51-4108-AA02-DFA0A04FC94B}">
-              <ma14:wrappingTextBoxFlag xmlns:ma14="http://schemas.microsoft.com/office/mac/drawingml/2011/main" xmlns="" val="1"/>
+              <ma14:wrappingTextBoxFlag xmlns="" xmlns:ma14="http://schemas.microsoft.com/office/mac/drawingml/2011/main" val="1"/>
             </a:ext>
           </a:extLst>
         </p:spPr>
@@ -18595,7 +18595,7 @@
           </a:ln>
           <a:extLst>
             <a:ext uri="{C572A759-6A51-4108-AA02-DFA0A04FC94B}">
-              <ma14:wrappingTextBoxFlag xmlns:ma14="http://schemas.microsoft.com/office/mac/drawingml/2011/main" xmlns="" val="1"/>
+              <ma14:wrappingTextBoxFlag xmlns="" xmlns:ma14="http://schemas.microsoft.com/office/mac/drawingml/2011/main" val="1"/>
             </a:ext>
           </a:extLst>
         </p:spPr>
@@ -18640,7 +18640,7 @@
           </a:ln>
           <a:extLst>
             <a:ext uri="{C572A759-6A51-4108-AA02-DFA0A04FC94B}">
-              <ma14:wrappingTextBoxFlag xmlns:ma14="http://schemas.microsoft.com/office/mac/drawingml/2011/main" xmlns="" val="1"/>
+              <ma14:wrappingTextBoxFlag xmlns="" xmlns:ma14="http://schemas.microsoft.com/office/mac/drawingml/2011/main" val="1"/>
             </a:ext>
           </a:extLst>
         </p:spPr>
@@ -18685,7 +18685,7 @@
           </a:ln>
           <a:extLst>
             <a:ext uri="{C572A759-6A51-4108-AA02-DFA0A04FC94B}">
-              <ma14:wrappingTextBoxFlag xmlns:ma14="http://schemas.microsoft.com/office/mac/drawingml/2011/main" xmlns="" val="1"/>
+              <ma14:wrappingTextBoxFlag xmlns="" xmlns:ma14="http://schemas.microsoft.com/office/mac/drawingml/2011/main" val="1"/>
             </a:ext>
           </a:extLst>
         </p:spPr>
@@ -18738,7 +18738,7 @@
           </a:ln>
           <a:extLst>
             <a:ext uri="{C572A759-6A51-4108-AA02-DFA0A04FC94B}">
-              <ma14:wrappingTextBoxFlag xmlns:ma14="http://schemas.microsoft.com/office/mac/drawingml/2011/main" xmlns="" val="1"/>
+              <ma14:wrappingTextBoxFlag xmlns="" xmlns:ma14="http://schemas.microsoft.com/office/mac/drawingml/2011/main" val="1"/>
             </a:ext>
           </a:extLst>
         </p:spPr>
@@ -18791,7 +18791,7 @@
           </a:ln>
           <a:extLst>
             <a:ext uri="{C572A759-6A51-4108-AA02-DFA0A04FC94B}">
-              <ma14:wrappingTextBoxFlag xmlns:ma14="http://schemas.microsoft.com/office/mac/drawingml/2011/main" xmlns="" val="1"/>
+              <ma14:wrappingTextBoxFlag xmlns="" xmlns:ma14="http://schemas.microsoft.com/office/mac/drawingml/2011/main" val="1"/>
             </a:ext>
           </a:extLst>
         </p:spPr>
@@ -18836,7 +18836,7 @@
           </a:ln>
           <a:extLst>
             <a:ext uri="{C572A759-6A51-4108-AA02-DFA0A04FC94B}">
-              <ma14:wrappingTextBoxFlag xmlns:ma14="http://schemas.microsoft.com/office/mac/drawingml/2011/main" xmlns="" val="1"/>
+              <ma14:wrappingTextBoxFlag xmlns="" xmlns:ma14="http://schemas.microsoft.com/office/mac/drawingml/2011/main" val="1"/>
             </a:ext>
           </a:extLst>
         </p:spPr>
@@ -18881,7 +18881,7 @@
           </a:ln>
           <a:extLst>
             <a:ext uri="{C572A759-6A51-4108-AA02-DFA0A04FC94B}">
-              <ma14:wrappingTextBoxFlag xmlns:ma14="http://schemas.microsoft.com/office/mac/drawingml/2011/main" xmlns="" val="1"/>
+              <ma14:wrappingTextBoxFlag xmlns="" xmlns:ma14="http://schemas.microsoft.com/office/mac/drawingml/2011/main" val="1"/>
             </a:ext>
           </a:extLst>
         </p:spPr>
@@ -18926,7 +18926,7 @@
           </a:ln>
           <a:extLst>
             <a:ext uri="{C572A759-6A51-4108-AA02-DFA0A04FC94B}">
-              <ma14:wrappingTextBoxFlag xmlns:ma14="http://schemas.microsoft.com/office/mac/drawingml/2011/main" xmlns="" val="1"/>
+              <ma14:wrappingTextBoxFlag xmlns="" xmlns:ma14="http://schemas.microsoft.com/office/mac/drawingml/2011/main" val="1"/>
             </a:ext>
           </a:extLst>
         </p:spPr>
@@ -19341,7 +19341,7 @@
           </a:ln>
           <a:extLst>
             <a:ext uri="{C572A759-6A51-4108-AA02-DFA0A04FC94B}">
-              <ma14:wrappingTextBoxFlag xmlns:ma14="http://schemas.microsoft.com/office/mac/drawingml/2011/main" xmlns="" val="1"/>
+              <ma14:wrappingTextBoxFlag xmlns="" xmlns:ma14="http://schemas.microsoft.com/office/mac/drawingml/2011/main" val="1"/>
             </a:ext>
           </a:extLst>
         </p:spPr>
@@ -19394,7 +19394,7 @@
           </a:ln>
           <a:extLst>
             <a:ext uri="{C572A759-6A51-4108-AA02-DFA0A04FC94B}">
-              <ma14:wrappingTextBoxFlag xmlns:ma14="http://schemas.microsoft.com/office/mac/drawingml/2011/main" xmlns="" val="1"/>
+              <ma14:wrappingTextBoxFlag xmlns="" xmlns:ma14="http://schemas.microsoft.com/office/mac/drawingml/2011/main" val="1"/>
             </a:ext>
           </a:extLst>
         </p:spPr>
@@ -19610,7 +19610,7 @@
           </a:ln>
           <a:extLst>
             <a:ext uri="{C572A759-6A51-4108-AA02-DFA0A04FC94B}">
-              <ma14:wrappingTextBoxFlag xmlns:ma14="http://schemas.microsoft.com/office/mac/drawingml/2011/main" xmlns="" val="1"/>
+              <ma14:wrappingTextBoxFlag xmlns="" xmlns:ma14="http://schemas.microsoft.com/office/mac/drawingml/2011/main" val="1"/>
             </a:ext>
           </a:extLst>
         </p:spPr>
@@ -19653,7 +19653,7 @@
           </a:ln>
           <a:extLst>
             <a:ext uri="{C572A759-6A51-4108-AA02-DFA0A04FC94B}">
-              <ma14:wrappingTextBoxFlag xmlns:ma14="http://schemas.microsoft.com/office/mac/drawingml/2011/main" xmlns="" val="1"/>
+              <ma14:wrappingTextBoxFlag xmlns="" xmlns:ma14="http://schemas.microsoft.com/office/mac/drawingml/2011/main" val="1"/>
             </a:ext>
           </a:extLst>
         </p:spPr>
@@ -19739,7 +19739,7 @@
           </a:ln>
           <a:extLst>
             <a:ext uri="{C572A759-6A51-4108-AA02-DFA0A04FC94B}">
-              <ma14:wrappingTextBoxFlag xmlns:ma14="http://schemas.microsoft.com/office/mac/drawingml/2011/main" xmlns="" val="1"/>
+              <ma14:wrappingTextBoxFlag xmlns="" xmlns:ma14="http://schemas.microsoft.com/office/mac/drawingml/2011/main" val="1"/>
             </a:ext>
           </a:extLst>
         </p:spPr>
@@ -19848,7 +19848,7 @@
           </a:ln>
           <a:extLst>
             <a:ext uri="{C572A759-6A51-4108-AA02-DFA0A04FC94B}">
-              <ma14:wrappingTextBoxFlag xmlns:ma14="http://schemas.microsoft.com/office/mac/drawingml/2011/main" xmlns="" val="1"/>
+              <ma14:wrappingTextBoxFlag xmlns="" xmlns:ma14="http://schemas.microsoft.com/office/mac/drawingml/2011/main" val="1"/>
             </a:ext>
           </a:extLst>
         </p:spPr>
@@ -19893,7 +19893,7 @@
           </a:ln>
           <a:extLst>
             <a:ext uri="{C572A759-6A51-4108-AA02-DFA0A04FC94B}">
-              <ma14:wrappingTextBoxFlag xmlns:ma14="http://schemas.microsoft.com/office/mac/drawingml/2011/main" xmlns="" val="1"/>
+              <ma14:wrappingTextBoxFlag xmlns="" xmlns:ma14="http://schemas.microsoft.com/office/mac/drawingml/2011/main" val="1"/>
             </a:ext>
           </a:extLst>
         </p:spPr>
@@ -19938,7 +19938,7 @@
           </a:ln>
           <a:extLst>
             <a:ext uri="{C572A759-6A51-4108-AA02-DFA0A04FC94B}">
-              <ma14:wrappingTextBoxFlag xmlns:ma14="http://schemas.microsoft.com/office/mac/drawingml/2011/main" xmlns="" val="1"/>
+              <ma14:wrappingTextBoxFlag xmlns="" xmlns:ma14="http://schemas.microsoft.com/office/mac/drawingml/2011/main" val="1"/>
             </a:ext>
           </a:extLst>
         </p:spPr>
@@ -19983,7 +19983,7 @@
           </a:ln>
           <a:extLst>
             <a:ext uri="{C572A759-6A51-4108-AA02-DFA0A04FC94B}">
-              <ma14:wrappingTextBoxFlag xmlns:ma14="http://schemas.microsoft.com/office/mac/drawingml/2011/main" xmlns="" val="1"/>
+              <ma14:wrappingTextBoxFlag xmlns="" xmlns:ma14="http://schemas.microsoft.com/office/mac/drawingml/2011/main" val="1"/>
             </a:ext>
           </a:extLst>
         </p:spPr>
@@ -20036,7 +20036,7 @@
           </a:ln>
           <a:extLst>
             <a:ext uri="{C572A759-6A51-4108-AA02-DFA0A04FC94B}">
-              <ma14:wrappingTextBoxFlag xmlns:ma14="http://schemas.microsoft.com/office/mac/drawingml/2011/main" xmlns="" val="1"/>
+              <ma14:wrappingTextBoxFlag xmlns="" xmlns:ma14="http://schemas.microsoft.com/office/mac/drawingml/2011/main" val="1"/>
             </a:ext>
           </a:extLst>
         </p:spPr>
@@ -20081,7 +20081,7 @@
           </a:ln>
           <a:extLst>
             <a:ext uri="{C572A759-6A51-4108-AA02-DFA0A04FC94B}">
-              <ma14:wrappingTextBoxFlag xmlns:ma14="http://schemas.microsoft.com/office/mac/drawingml/2011/main" xmlns="" val="1"/>
+              <ma14:wrappingTextBoxFlag xmlns="" xmlns:ma14="http://schemas.microsoft.com/office/mac/drawingml/2011/main" val="1"/>
             </a:ext>
           </a:extLst>
         </p:spPr>
@@ -20134,7 +20134,7 @@
           </a:ln>
           <a:extLst>
             <a:ext uri="{C572A759-6A51-4108-AA02-DFA0A04FC94B}">
-              <ma14:wrappingTextBoxFlag xmlns:ma14="http://schemas.microsoft.com/office/mac/drawingml/2011/main" xmlns="" val="1"/>
+              <ma14:wrappingTextBoxFlag xmlns="" xmlns:ma14="http://schemas.microsoft.com/office/mac/drawingml/2011/main" val="1"/>
             </a:ext>
           </a:extLst>
         </p:spPr>
@@ -20187,7 +20187,7 @@
           </a:ln>
           <a:extLst>
             <a:ext uri="{C572A759-6A51-4108-AA02-DFA0A04FC94B}">
-              <ma14:wrappingTextBoxFlag xmlns:ma14="http://schemas.microsoft.com/office/mac/drawingml/2011/main" xmlns="" val="1"/>
+              <ma14:wrappingTextBoxFlag xmlns="" xmlns:ma14="http://schemas.microsoft.com/office/mac/drawingml/2011/main" val="1"/>
             </a:ext>
           </a:extLst>
         </p:spPr>
@@ -20232,7 +20232,7 @@
           </a:ln>
           <a:extLst>
             <a:ext uri="{C572A759-6A51-4108-AA02-DFA0A04FC94B}">
-              <ma14:wrappingTextBoxFlag xmlns:ma14="http://schemas.microsoft.com/office/mac/drawingml/2011/main" xmlns="" val="1"/>
+              <ma14:wrappingTextBoxFlag xmlns="" xmlns:ma14="http://schemas.microsoft.com/office/mac/drawingml/2011/main" val="1"/>
             </a:ext>
           </a:extLst>
         </p:spPr>
@@ -20277,7 +20277,7 @@
           </a:ln>
           <a:extLst>
             <a:ext uri="{C572A759-6A51-4108-AA02-DFA0A04FC94B}">
-              <ma14:wrappingTextBoxFlag xmlns:ma14="http://schemas.microsoft.com/office/mac/drawingml/2011/main" xmlns="" val="1"/>
+              <ma14:wrappingTextBoxFlag xmlns="" xmlns:ma14="http://schemas.microsoft.com/office/mac/drawingml/2011/main" val="1"/>
             </a:ext>
           </a:extLst>
         </p:spPr>
@@ -20322,7 +20322,7 @@
           </a:ln>
           <a:extLst>
             <a:ext uri="{C572A759-6A51-4108-AA02-DFA0A04FC94B}">
-              <ma14:wrappingTextBoxFlag xmlns:ma14="http://schemas.microsoft.com/office/mac/drawingml/2011/main" xmlns="" val="1"/>
+              <ma14:wrappingTextBoxFlag xmlns="" xmlns:ma14="http://schemas.microsoft.com/office/mac/drawingml/2011/main" val="1"/>
             </a:ext>
           </a:extLst>
         </p:spPr>
@@ -20737,7 +20737,7 @@
           </a:ln>
           <a:extLst>
             <a:ext uri="{C572A759-6A51-4108-AA02-DFA0A04FC94B}">
-              <ma14:wrappingTextBoxFlag xmlns:ma14="http://schemas.microsoft.com/office/mac/drawingml/2011/main" xmlns="" val="1"/>
+              <ma14:wrappingTextBoxFlag xmlns="" xmlns:ma14="http://schemas.microsoft.com/office/mac/drawingml/2011/main" val="1"/>
             </a:ext>
           </a:extLst>
         </p:spPr>
@@ -20790,7 +20790,7 @@
           </a:ln>
           <a:extLst>
             <a:ext uri="{C572A759-6A51-4108-AA02-DFA0A04FC94B}">
-              <ma14:wrappingTextBoxFlag xmlns:ma14="http://schemas.microsoft.com/office/mac/drawingml/2011/main" xmlns="" val="1"/>
+              <ma14:wrappingTextBoxFlag xmlns="" xmlns:ma14="http://schemas.microsoft.com/office/mac/drawingml/2011/main" val="1"/>
             </a:ext>
           </a:extLst>
         </p:spPr>
@@ -21006,7 +21006,7 @@
           </a:ln>
           <a:extLst>
             <a:ext uri="{C572A759-6A51-4108-AA02-DFA0A04FC94B}">
-              <ma14:wrappingTextBoxFlag xmlns:ma14="http://schemas.microsoft.com/office/mac/drawingml/2011/main" xmlns="" val="1"/>
+              <ma14:wrappingTextBoxFlag xmlns="" xmlns:ma14="http://schemas.microsoft.com/office/mac/drawingml/2011/main" val="1"/>
             </a:ext>
           </a:extLst>
         </p:spPr>
@@ -21049,7 +21049,7 @@
           </a:ln>
           <a:extLst>
             <a:ext uri="{C572A759-6A51-4108-AA02-DFA0A04FC94B}">
-              <ma14:wrappingTextBoxFlag xmlns:ma14="http://schemas.microsoft.com/office/mac/drawingml/2011/main" xmlns="" val="1"/>
+              <ma14:wrappingTextBoxFlag xmlns="" xmlns:ma14="http://schemas.microsoft.com/office/mac/drawingml/2011/main" val="1"/>
             </a:ext>
           </a:extLst>
         </p:spPr>
@@ -21135,7 +21135,7 @@
           </a:ln>
           <a:extLst>
             <a:ext uri="{C572A759-6A51-4108-AA02-DFA0A04FC94B}">
-              <ma14:wrappingTextBoxFlag xmlns:ma14="http://schemas.microsoft.com/office/mac/drawingml/2011/main" xmlns="" val="1"/>
+              <ma14:wrappingTextBoxFlag xmlns="" xmlns:ma14="http://schemas.microsoft.com/office/mac/drawingml/2011/main" val="1"/>
             </a:ext>
           </a:extLst>
         </p:spPr>
@@ -21313,7 +21313,7 @@
           </a:ln>
           <a:extLst>
             <a:ext uri="{C572A759-6A51-4108-AA02-DFA0A04FC94B}">
-              <ma14:wrappingTextBoxFlag xmlns:ma14="http://schemas.microsoft.com/office/mac/drawingml/2011/main" xmlns="" val="1"/>
+              <ma14:wrappingTextBoxFlag xmlns="" xmlns:ma14="http://schemas.microsoft.com/office/mac/drawingml/2011/main" val="1"/>
             </a:ext>
           </a:extLst>
         </p:spPr>
@@ -21358,7 +21358,7 @@
           </a:ln>
           <a:extLst>
             <a:ext uri="{C572A759-6A51-4108-AA02-DFA0A04FC94B}">
-              <ma14:wrappingTextBoxFlag xmlns:ma14="http://schemas.microsoft.com/office/mac/drawingml/2011/main" xmlns="" val="1"/>
+              <ma14:wrappingTextBoxFlag xmlns="" xmlns:ma14="http://schemas.microsoft.com/office/mac/drawingml/2011/main" val="1"/>
             </a:ext>
           </a:extLst>
         </p:spPr>
@@ -21403,7 +21403,7 @@
           </a:ln>
           <a:extLst>
             <a:ext uri="{C572A759-6A51-4108-AA02-DFA0A04FC94B}">
-              <ma14:wrappingTextBoxFlag xmlns:ma14="http://schemas.microsoft.com/office/mac/drawingml/2011/main" xmlns="" val="1"/>
+              <ma14:wrappingTextBoxFlag xmlns="" xmlns:ma14="http://schemas.microsoft.com/office/mac/drawingml/2011/main" val="1"/>
             </a:ext>
           </a:extLst>
         </p:spPr>
@@ -21448,7 +21448,7 @@
           </a:ln>
           <a:extLst>
             <a:ext uri="{C572A759-6A51-4108-AA02-DFA0A04FC94B}">
-              <ma14:wrappingTextBoxFlag xmlns:ma14="http://schemas.microsoft.com/office/mac/drawingml/2011/main" xmlns="" val="1"/>
+              <ma14:wrappingTextBoxFlag xmlns="" xmlns:ma14="http://schemas.microsoft.com/office/mac/drawingml/2011/main" val="1"/>
             </a:ext>
           </a:extLst>
         </p:spPr>
@@ -21501,7 +21501,7 @@
           </a:ln>
           <a:extLst>
             <a:ext uri="{C572A759-6A51-4108-AA02-DFA0A04FC94B}">
-              <ma14:wrappingTextBoxFlag xmlns:ma14="http://schemas.microsoft.com/office/mac/drawingml/2011/main" xmlns="" val="1"/>
+              <ma14:wrappingTextBoxFlag xmlns="" xmlns:ma14="http://schemas.microsoft.com/office/mac/drawingml/2011/main" val="1"/>
             </a:ext>
           </a:extLst>
         </p:spPr>
@@ -21546,7 +21546,7 @@
           </a:ln>
           <a:extLst>
             <a:ext uri="{C572A759-6A51-4108-AA02-DFA0A04FC94B}">
-              <ma14:wrappingTextBoxFlag xmlns:ma14="http://schemas.microsoft.com/office/mac/drawingml/2011/main" xmlns="" val="1"/>
+              <ma14:wrappingTextBoxFlag xmlns="" xmlns:ma14="http://schemas.microsoft.com/office/mac/drawingml/2011/main" val="1"/>
             </a:ext>
           </a:extLst>
         </p:spPr>
@@ -21599,7 +21599,7 @@
           </a:ln>
           <a:extLst>
             <a:ext uri="{C572A759-6A51-4108-AA02-DFA0A04FC94B}">
-              <ma14:wrappingTextBoxFlag xmlns:ma14="http://schemas.microsoft.com/office/mac/drawingml/2011/main" xmlns="" val="1"/>
+              <ma14:wrappingTextBoxFlag xmlns="" xmlns:ma14="http://schemas.microsoft.com/office/mac/drawingml/2011/main" val="1"/>
             </a:ext>
           </a:extLst>
         </p:spPr>
@@ -21652,7 +21652,7 @@
           </a:ln>
           <a:extLst>
             <a:ext uri="{C572A759-6A51-4108-AA02-DFA0A04FC94B}">
-              <ma14:wrappingTextBoxFlag xmlns:ma14="http://schemas.microsoft.com/office/mac/drawingml/2011/main" xmlns="" val="1"/>
+              <ma14:wrappingTextBoxFlag xmlns="" xmlns:ma14="http://schemas.microsoft.com/office/mac/drawingml/2011/main" val="1"/>
             </a:ext>
           </a:extLst>
         </p:spPr>
@@ -21697,7 +21697,7 @@
           </a:ln>
           <a:extLst>
             <a:ext uri="{C572A759-6A51-4108-AA02-DFA0A04FC94B}">
-              <ma14:wrappingTextBoxFlag xmlns:ma14="http://schemas.microsoft.com/office/mac/drawingml/2011/main" xmlns="" val="1"/>
+              <ma14:wrappingTextBoxFlag xmlns="" xmlns:ma14="http://schemas.microsoft.com/office/mac/drawingml/2011/main" val="1"/>
             </a:ext>
           </a:extLst>
         </p:spPr>
@@ -21742,7 +21742,7 @@
           </a:ln>
           <a:extLst>
             <a:ext uri="{C572A759-6A51-4108-AA02-DFA0A04FC94B}">
-              <ma14:wrappingTextBoxFlag xmlns:ma14="http://schemas.microsoft.com/office/mac/drawingml/2011/main" xmlns="" val="1"/>
+              <ma14:wrappingTextBoxFlag xmlns="" xmlns:ma14="http://schemas.microsoft.com/office/mac/drawingml/2011/main" val="1"/>
             </a:ext>
           </a:extLst>
         </p:spPr>
@@ -21787,7 +21787,7 @@
           </a:ln>
           <a:extLst>
             <a:ext uri="{C572A759-6A51-4108-AA02-DFA0A04FC94B}">
-              <ma14:wrappingTextBoxFlag xmlns:ma14="http://schemas.microsoft.com/office/mac/drawingml/2011/main" xmlns="" val="1"/>
+              <ma14:wrappingTextBoxFlag xmlns="" xmlns:ma14="http://schemas.microsoft.com/office/mac/drawingml/2011/main" val="1"/>
             </a:ext>
           </a:extLst>
         </p:spPr>
@@ -22202,7 +22202,7 @@
           </a:ln>
           <a:extLst>
             <a:ext uri="{C572A759-6A51-4108-AA02-DFA0A04FC94B}">
-              <ma14:wrappingTextBoxFlag xmlns:ma14="http://schemas.microsoft.com/office/mac/drawingml/2011/main" xmlns="" val="1"/>
+              <ma14:wrappingTextBoxFlag xmlns="" xmlns:ma14="http://schemas.microsoft.com/office/mac/drawingml/2011/main" val="1"/>
             </a:ext>
           </a:extLst>
         </p:spPr>
@@ -22255,7 +22255,7 @@
           </a:ln>
           <a:extLst>
             <a:ext uri="{C572A759-6A51-4108-AA02-DFA0A04FC94B}">
-              <ma14:wrappingTextBoxFlag xmlns:ma14="http://schemas.microsoft.com/office/mac/drawingml/2011/main" xmlns="" val="1"/>
+              <ma14:wrappingTextBoxFlag xmlns="" xmlns:ma14="http://schemas.microsoft.com/office/mac/drawingml/2011/main" val="1"/>
             </a:ext>
           </a:extLst>
         </p:spPr>
@@ -22471,7 +22471,7 @@
           </a:ln>
           <a:extLst>
             <a:ext uri="{C572A759-6A51-4108-AA02-DFA0A04FC94B}">
-              <ma14:wrappingTextBoxFlag xmlns:ma14="http://schemas.microsoft.com/office/mac/drawingml/2011/main" xmlns="" val="1"/>
+              <ma14:wrappingTextBoxFlag xmlns="" xmlns:ma14="http://schemas.microsoft.com/office/mac/drawingml/2011/main" val="1"/>
             </a:ext>
           </a:extLst>
         </p:spPr>
@@ -22514,7 +22514,7 @@
           </a:ln>
           <a:extLst>
             <a:ext uri="{C572A759-6A51-4108-AA02-DFA0A04FC94B}">
-              <ma14:wrappingTextBoxFlag xmlns:ma14="http://schemas.microsoft.com/office/mac/drawingml/2011/main" xmlns="" val="1"/>
+              <ma14:wrappingTextBoxFlag xmlns="" xmlns:ma14="http://schemas.microsoft.com/office/mac/drawingml/2011/main" val="1"/>
             </a:ext>
           </a:extLst>
         </p:spPr>
@@ -22600,7 +22600,7 @@
           </a:ln>
           <a:extLst>
             <a:ext uri="{C572A759-6A51-4108-AA02-DFA0A04FC94B}">
-              <ma14:wrappingTextBoxFlag xmlns:ma14="http://schemas.microsoft.com/office/mac/drawingml/2011/main" xmlns="" val="1"/>
+              <ma14:wrappingTextBoxFlag xmlns="" xmlns:ma14="http://schemas.microsoft.com/office/mac/drawingml/2011/main" val="1"/>
             </a:ext>
           </a:extLst>
         </p:spPr>
@@ -22717,7 +22717,7 @@
           </a:ln>
           <a:extLst>
             <a:ext uri="{C572A759-6A51-4108-AA02-DFA0A04FC94B}">
-              <ma14:wrappingTextBoxFlag xmlns:ma14="http://schemas.microsoft.com/office/mac/drawingml/2011/main" xmlns="" val="1"/>
+              <ma14:wrappingTextBoxFlag xmlns="" xmlns:ma14="http://schemas.microsoft.com/office/mac/drawingml/2011/main" val="1"/>
             </a:ext>
           </a:extLst>
         </p:spPr>
@@ -22770,7 +22770,7 @@
           </a:ln>
           <a:extLst>
             <a:ext uri="{C572A759-6A51-4108-AA02-DFA0A04FC94B}">
-              <ma14:wrappingTextBoxFlag xmlns:ma14="http://schemas.microsoft.com/office/mac/drawingml/2011/main" xmlns="" val="1"/>
+              <ma14:wrappingTextBoxFlag xmlns="" xmlns:ma14="http://schemas.microsoft.com/office/mac/drawingml/2011/main" val="1"/>
             </a:ext>
           </a:extLst>
         </p:spPr>
@@ -22823,7 +22823,7 @@
           </a:ln>
           <a:extLst>
             <a:ext uri="{C572A759-6A51-4108-AA02-DFA0A04FC94B}">
-              <ma14:wrappingTextBoxFlag xmlns:ma14="http://schemas.microsoft.com/office/mac/drawingml/2011/main" xmlns="" val="1"/>
+              <ma14:wrappingTextBoxFlag xmlns="" xmlns:ma14="http://schemas.microsoft.com/office/mac/drawingml/2011/main" val="1"/>
             </a:ext>
           </a:extLst>
         </p:spPr>
@@ -22876,7 +22876,7 @@
           </a:ln>
           <a:extLst>
             <a:ext uri="{C572A759-6A51-4108-AA02-DFA0A04FC94B}">
-              <ma14:wrappingTextBoxFlag xmlns:ma14="http://schemas.microsoft.com/office/mac/drawingml/2011/main" xmlns="" val="1"/>
+              <ma14:wrappingTextBoxFlag xmlns="" xmlns:ma14="http://schemas.microsoft.com/office/mac/drawingml/2011/main" val="1"/>
             </a:ext>
           </a:extLst>
         </p:spPr>
@@ -22929,7 +22929,7 @@
           </a:ln>
           <a:extLst>
             <a:ext uri="{C572A759-6A51-4108-AA02-DFA0A04FC94B}">
-              <ma14:wrappingTextBoxFlag xmlns:ma14="http://schemas.microsoft.com/office/mac/drawingml/2011/main" xmlns="" val="1"/>
+              <ma14:wrappingTextBoxFlag xmlns="" xmlns:ma14="http://schemas.microsoft.com/office/mac/drawingml/2011/main" val="1"/>
             </a:ext>
           </a:extLst>
         </p:spPr>
@@ -22982,7 +22982,7 @@
           </a:ln>
           <a:extLst>
             <a:ext uri="{C572A759-6A51-4108-AA02-DFA0A04FC94B}">
-              <ma14:wrappingTextBoxFlag xmlns:ma14="http://schemas.microsoft.com/office/mac/drawingml/2011/main" xmlns="" val="1"/>
+              <ma14:wrappingTextBoxFlag xmlns="" xmlns:ma14="http://schemas.microsoft.com/office/mac/drawingml/2011/main" val="1"/>
             </a:ext>
           </a:extLst>
         </p:spPr>
@@ -23035,7 +23035,7 @@
           </a:ln>
           <a:extLst>
             <a:ext uri="{C572A759-6A51-4108-AA02-DFA0A04FC94B}">
-              <ma14:wrappingTextBoxFlag xmlns:ma14="http://schemas.microsoft.com/office/mac/drawingml/2011/main" xmlns="" val="1"/>
+              <ma14:wrappingTextBoxFlag xmlns="" xmlns:ma14="http://schemas.microsoft.com/office/mac/drawingml/2011/main" val="1"/>
             </a:ext>
           </a:extLst>
         </p:spPr>
@@ -23088,7 +23088,7 @@
           </a:ln>
           <a:extLst>
             <a:ext uri="{C572A759-6A51-4108-AA02-DFA0A04FC94B}">
-              <ma14:wrappingTextBoxFlag xmlns:ma14="http://schemas.microsoft.com/office/mac/drawingml/2011/main" xmlns="" val="1"/>
+              <ma14:wrappingTextBoxFlag xmlns="" xmlns:ma14="http://schemas.microsoft.com/office/mac/drawingml/2011/main" val="1"/>
             </a:ext>
           </a:extLst>
         </p:spPr>
@@ -23133,7 +23133,7 @@
           </a:ln>
           <a:extLst>
             <a:ext uri="{C572A759-6A51-4108-AA02-DFA0A04FC94B}">
-              <ma14:wrappingTextBoxFlag xmlns:ma14="http://schemas.microsoft.com/office/mac/drawingml/2011/main" xmlns="" val="1"/>
+              <ma14:wrappingTextBoxFlag xmlns="" xmlns:ma14="http://schemas.microsoft.com/office/mac/drawingml/2011/main" val="1"/>
             </a:ext>
           </a:extLst>
         </p:spPr>
@@ -23178,7 +23178,7 @@
           </a:ln>
           <a:extLst>
             <a:ext uri="{C572A759-6A51-4108-AA02-DFA0A04FC94B}">
-              <ma14:wrappingTextBoxFlag xmlns:ma14="http://schemas.microsoft.com/office/mac/drawingml/2011/main" xmlns="" val="1"/>
+              <ma14:wrappingTextBoxFlag xmlns="" xmlns:ma14="http://schemas.microsoft.com/office/mac/drawingml/2011/main" val="1"/>
             </a:ext>
           </a:extLst>
         </p:spPr>
@@ -23223,7 +23223,7 @@
           </a:ln>
           <a:extLst>
             <a:ext uri="{C572A759-6A51-4108-AA02-DFA0A04FC94B}">
-              <ma14:wrappingTextBoxFlag xmlns:ma14="http://schemas.microsoft.com/office/mac/drawingml/2011/main" xmlns="" val="1"/>
+              <ma14:wrappingTextBoxFlag xmlns="" xmlns:ma14="http://schemas.microsoft.com/office/mac/drawingml/2011/main" val="1"/>
             </a:ext>
           </a:extLst>
         </p:spPr>
@@ -23638,7 +23638,7 @@
           </a:ln>
           <a:extLst>
             <a:ext uri="{C572A759-6A51-4108-AA02-DFA0A04FC94B}">
-              <ma14:wrappingTextBoxFlag xmlns:ma14="http://schemas.microsoft.com/office/mac/drawingml/2011/main" xmlns="" val="1"/>
+              <ma14:wrappingTextBoxFlag xmlns="" xmlns:ma14="http://schemas.microsoft.com/office/mac/drawingml/2011/main" val="1"/>
             </a:ext>
           </a:extLst>
         </p:spPr>
@@ -23691,7 +23691,7 @@
           </a:ln>
           <a:extLst>
             <a:ext uri="{C572A759-6A51-4108-AA02-DFA0A04FC94B}">
-              <ma14:wrappingTextBoxFlag xmlns:ma14="http://schemas.microsoft.com/office/mac/drawingml/2011/main" xmlns="" val="1"/>
+              <ma14:wrappingTextBoxFlag xmlns="" xmlns:ma14="http://schemas.microsoft.com/office/mac/drawingml/2011/main" val="1"/>
             </a:ext>
           </a:extLst>
         </p:spPr>
@@ -23907,7 +23907,7 @@
           </a:ln>
           <a:extLst>
             <a:ext uri="{C572A759-6A51-4108-AA02-DFA0A04FC94B}">
-              <ma14:wrappingTextBoxFlag xmlns:ma14="http://schemas.microsoft.com/office/mac/drawingml/2011/main" xmlns="" val="1"/>
+              <ma14:wrappingTextBoxFlag xmlns="" xmlns:ma14="http://schemas.microsoft.com/office/mac/drawingml/2011/main" val="1"/>
             </a:ext>
           </a:extLst>
         </p:spPr>
@@ -23950,7 +23950,7 @@
           </a:ln>
           <a:extLst>
             <a:ext uri="{C572A759-6A51-4108-AA02-DFA0A04FC94B}">
-              <ma14:wrappingTextBoxFlag xmlns:ma14="http://schemas.microsoft.com/office/mac/drawingml/2011/main" xmlns="" val="1"/>
+              <ma14:wrappingTextBoxFlag xmlns="" xmlns:ma14="http://schemas.microsoft.com/office/mac/drawingml/2011/main" val="1"/>
             </a:ext>
           </a:extLst>
         </p:spPr>
@@ -24036,7 +24036,7 @@
           </a:ln>
           <a:extLst>
             <a:ext uri="{C572A759-6A51-4108-AA02-DFA0A04FC94B}">
-              <ma14:wrappingTextBoxFlag xmlns:ma14="http://schemas.microsoft.com/office/mac/drawingml/2011/main" xmlns="" val="1"/>
+              <ma14:wrappingTextBoxFlag xmlns="" xmlns:ma14="http://schemas.microsoft.com/office/mac/drawingml/2011/main" val="1"/>
             </a:ext>
           </a:extLst>
         </p:spPr>
@@ -24153,7 +24153,7 @@
           </a:ln>
           <a:extLst>
             <a:ext uri="{C572A759-6A51-4108-AA02-DFA0A04FC94B}">
-              <ma14:wrappingTextBoxFlag xmlns:ma14="http://schemas.microsoft.com/office/mac/drawingml/2011/main" xmlns="" val="1"/>
+              <ma14:wrappingTextBoxFlag xmlns="" xmlns:ma14="http://schemas.microsoft.com/office/mac/drawingml/2011/main" val="1"/>
             </a:ext>
           </a:extLst>
         </p:spPr>
@@ -24206,7 +24206,7 @@
           </a:ln>
           <a:extLst>
             <a:ext uri="{C572A759-6A51-4108-AA02-DFA0A04FC94B}">
-              <ma14:wrappingTextBoxFlag xmlns:ma14="http://schemas.microsoft.com/office/mac/drawingml/2011/main" xmlns="" val="1"/>
+              <ma14:wrappingTextBoxFlag xmlns="" xmlns:ma14="http://schemas.microsoft.com/office/mac/drawingml/2011/main" val="1"/>
             </a:ext>
           </a:extLst>
         </p:spPr>
@@ -24259,7 +24259,7 @@
           </a:ln>
           <a:extLst>
             <a:ext uri="{C572A759-6A51-4108-AA02-DFA0A04FC94B}">
-              <ma14:wrappingTextBoxFlag xmlns:ma14="http://schemas.microsoft.com/office/mac/drawingml/2011/main" xmlns="" val="1"/>
+              <ma14:wrappingTextBoxFlag xmlns="" xmlns:ma14="http://schemas.microsoft.com/office/mac/drawingml/2011/main" val="1"/>
             </a:ext>
           </a:extLst>
         </p:spPr>
@@ -24312,7 +24312,7 @@
           </a:ln>
           <a:extLst>
             <a:ext uri="{C572A759-6A51-4108-AA02-DFA0A04FC94B}">
-              <ma14:wrappingTextBoxFlag xmlns:ma14="http://schemas.microsoft.com/office/mac/drawingml/2011/main" xmlns="" val="1"/>
+              <ma14:wrappingTextBoxFlag xmlns="" xmlns:ma14="http://schemas.microsoft.com/office/mac/drawingml/2011/main" val="1"/>
             </a:ext>
           </a:extLst>
         </p:spPr>
@@ -24365,7 +24365,7 @@
           </a:ln>
           <a:extLst>
             <a:ext uri="{C572A759-6A51-4108-AA02-DFA0A04FC94B}">
-              <ma14:wrappingTextBoxFlag xmlns:ma14="http://schemas.microsoft.com/office/mac/drawingml/2011/main" xmlns="" val="1"/>
+              <ma14:wrappingTextBoxFlag xmlns="" xmlns:ma14="http://schemas.microsoft.com/office/mac/drawingml/2011/main" val="1"/>
             </a:ext>
           </a:extLst>
         </p:spPr>
@@ -24418,7 +24418,7 @@
           </a:ln>
           <a:extLst>
             <a:ext uri="{C572A759-6A51-4108-AA02-DFA0A04FC94B}">
-              <ma14:wrappingTextBoxFlag xmlns:ma14="http://schemas.microsoft.com/office/mac/drawingml/2011/main" xmlns="" val="1"/>
+              <ma14:wrappingTextBoxFlag xmlns="" xmlns:ma14="http://schemas.microsoft.com/office/mac/drawingml/2011/main" val="1"/>
             </a:ext>
           </a:extLst>
         </p:spPr>
@@ -24471,7 +24471,7 @@
           </a:ln>
           <a:extLst>
             <a:ext uri="{C572A759-6A51-4108-AA02-DFA0A04FC94B}">
-              <ma14:wrappingTextBoxFlag xmlns:ma14="http://schemas.microsoft.com/office/mac/drawingml/2011/main" xmlns="" val="1"/>
+              <ma14:wrappingTextBoxFlag xmlns="" xmlns:ma14="http://schemas.microsoft.com/office/mac/drawingml/2011/main" val="1"/>
             </a:ext>
           </a:extLst>
         </p:spPr>
@@ -24524,7 +24524,7 @@
           </a:ln>
           <a:extLst>
             <a:ext uri="{C572A759-6A51-4108-AA02-DFA0A04FC94B}">
-              <ma14:wrappingTextBoxFlag xmlns:ma14="http://schemas.microsoft.com/office/mac/drawingml/2011/main" xmlns="" val="1"/>
+              <ma14:wrappingTextBoxFlag xmlns="" xmlns:ma14="http://schemas.microsoft.com/office/mac/drawingml/2011/main" val="1"/>
             </a:ext>
           </a:extLst>
         </p:spPr>
@@ -24577,7 +24577,7 @@
           </a:ln>
           <a:extLst>
             <a:ext uri="{C572A759-6A51-4108-AA02-DFA0A04FC94B}">
-              <ma14:wrappingTextBoxFlag xmlns:ma14="http://schemas.microsoft.com/office/mac/drawingml/2011/main" xmlns="" val="1"/>
+              <ma14:wrappingTextBoxFlag xmlns="" xmlns:ma14="http://schemas.microsoft.com/office/mac/drawingml/2011/main" val="1"/>
             </a:ext>
           </a:extLst>
         </p:spPr>
@@ -24630,7 +24630,7 @@
           </a:ln>
           <a:extLst>
             <a:ext uri="{C572A759-6A51-4108-AA02-DFA0A04FC94B}">
-              <ma14:wrappingTextBoxFlag xmlns:ma14="http://schemas.microsoft.com/office/mac/drawingml/2011/main" xmlns="" val="1"/>
+              <ma14:wrappingTextBoxFlag xmlns="" xmlns:ma14="http://schemas.microsoft.com/office/mac/drawingml/2011/main" val="1"/>
             </a:ext>
           </a:extLst>
         </p:spPr>
@@ -24683,7 +24683,7 @@
           </a:ln>
           <a:extLst>
             <a:ext uri="{C572A759-6A51-4108-AA02-DFA0A04FC94B}">
-              <ma14:wrappingTextBoxFlag xmlns:ma14="http://schemas.microsoft.com/office/mac/drawingml/2011/main" xmlns="" val="1"/>
+              <ma14:wrappingTextBoxFlag xmlns="" xmlns:ma14="http://schemas.microsoft.com/office/mac/drawingml/2011/main" val="1"/>
             </a:ext>
           </a:extLst>
         </p:spPr>
@@ -25098,7 +25098,7 @@
           </a:ln>
           <a:extLst>
             <a:ext uri="{C572A759-6A51-4108-AA02-DFA0A04FC94B}">
-              <ma14:wrappingTextBoxFlag xmlns:ma14="http://schemas.microsoft.com/office/mac/drawingml/2011/main" xmlns="" val="1"/>
+              <ma14:wrappingTextBoxFlag xmlns="" xmlns:ma14="http://schemas.microsoft.com/office/mac/drawingml/2011/main" val="1"/>
             </a:ext>
           </a:extLst>
         </p:spPr>
@@ -25151,7 +25151,7 @@
           </a:ln>
           <a:extLst>
             <a:ext uri="{C572A759-6A51-4108-AA02-DFA0A04FC94B}">
-              <ma14:wrappingTextBoxFlag xmlns:ma14="http://schemas.microsoft.com/office/mac/drawingml/2011/main" xmlns="" val="1"/>
+              <ma14:wrappingTextBoxFlag xmlns="" xmlns:ma14="http://schemas.microsoft.com/office/mac/drawingml/2011/main" val="1"/>
             </a:ext>
           </a:extLst>
         </p:spPr>
@@ -25367,7 +25367,7 @@
           </a:ln>
           <a:extLst>
             <a:ext uri="{C572A759-6A51-4108-AA02-DFA0A04FC94B}">
-              <ma14:wrappingTextBoxFlag xmlns:ma14="http://schemas.microsoft.com/office/mac/drawingml/2011/main" xmlns="" val="1"/>
+              <ma14:wrappingTextBoxFlag xmlns="" xmlns:ma14="http://schemas.microsoft.com/office/mac/drawingml/2011/main" val="1"/>
             </a:ext>
           </a:extLst>
         </p:spPr>
@@ -25410,7 +25410,7 @@
           </a:ln>
           <a:extLst>
             <a:ext uri="{C572A759-6A51-4108-AA02-DFA0A04FC94B}">
-              <ma14:wrappingTextBoxFlag xmlns:ma14="http://schemas.microsoft.com/office/mac/drawingml/2011/main" xmlns="" val="1"/>
+              <ma14:wrappingTextBoxFlag xmlns="" xmlns:ma14="http://schemas.microsoft.com/office/mac/drawingml/2011/main" val="1"/>
             </a:ext>
           </a:extLst>
         </p:spPr>
@@ -25496,7 +25496,7 @@
           </a:ln>
           <a:extLst>
             <a:ext uri="{C572A759-6A51-4108-AA02-DFA0A04FC94B}">
-              <ma14:wrappingTextBoxFlag xmlns:ma14="http://schemas.microsoft.com/office/mac/drawingml/2011/main" xmlns="" val="1"/>
+              <ma14:wrappingTextBoxFlag xmlns="" xmlns:ma14="http://schemas.microsoft.com/office/mac/drawingml/2011/main" val="1"/>
             </a:ext>
           </a:extLst>
         </p:spPr>
@@ -25602,7 +25602,7 @@
           </a:ln>
           <a:extLst>
             <a:ext uri="{C572A759-6A51-4108-AA02-DFA0A04FC94B}">
-              <ma14:wrappingTextBoxFlag xmlns:ma14="http://schemas.microsoft.com/office/mac/drawingml/2011/main" xmlns="" val="1"/>
+              <ma14:wrappingTextBoxFlag xmlns="" xmlns:ma14="http://schemas.microsoft.com/office/mac/drawingml/2011/main" val="1"/>
             </a:ext>
           </a:extLst>
         </p:spPr>
@@ -25943,7 +25943,7 @@
           </a:ln>
           <a:extLst>
             <a:ext uri="{C572A759-6A51-4108-AA02-DFA0A04FC94B}">
-              <ma14:wrappingTextBoxFlag xmlns:ma14="http://schemas.microsoft.com/office/mac/drawingml/2011/main" xmlns="" val="1"/>
+              <ma14:wrappingTextBoxFlag xmlns="" xmlns:ma14="http://schemas.microsoft.com/office/mac/drawingml/2011/main" val="1"/>
             </a:ext>
           </a:extLst>
         </p:spPr>
@@ -25983,7 +25983,7 @@
           </a:ln>
           <a:extLst>
             <a:ext uri="{C572A759-6A51-4108-AA02-DFA0A04FC94B}">
-              <ma14:wrappingTextBoxFlag xmlns:ma14="http://schemas.microsoft.com/office/mac/drawingml/2011/main" xmlns="" val="1"/>
+              <ma14:wrappingTextBoxFlag xmlns="" xmlns:ma14="http://schemas.microsoft.com/office/mac/drawingml/2011/main" val="1"/>
             </a:ext>
           </a:extLst>
         </p:spPr>
@@ -26099,7 +26099,7 @@
           </a:ln>
           <a:extLst>
             <a:ext uri="{C572A759-6A51-4108-AA02-DFA0A04FC94B}">
-              <ma14:wrappingTextBoxFlag xmlns:ma14="http://schemas.microsoft.com/office/mac/drawingml/2011/main" xmlns="" val="1"/>
+              <ma14:wrappingTextBoxFlag xmlns="" xmlns:ma14="http://schemas.microsoft.com/office/mac/drawingml/2011/main" val="1"/>
             </a:ext>
           </a:extLst>
         </p:spPr>
@@ -26139,7 +26139,7 @@
           </a:ln>
           <a:extLst>
             <a:ext uri="{C572A759-6A51-4108-AA02-DFA0A04FC94B}">
-              <ma14:wrappingTextBoxFlag xmlns:ma14="http://schemas.microsoft.com/office/mac/drawingml/2011/main" xmlns="" val="1"/>
+              <ma14:wrappingTextBoxFlag xmlns="" xmlns:ma14="http://schemas.microsoft.com/office/mac/drawingml/2011/main" val="1"/>
             </a:ext>
           </a:extLst>
         </p:spPr>
@@ -26210,7 +26210,7 @@
           </a:ln>
           <a:extLst>
             <a:ext uri="{C572A759-6A51-4108-AA02-DFA0A04FC94B}">
-              <ma14:wrappingTextBoxFlag xmlns:ma14="http://schemas.microsoft.com/office/mac/drawingml/2011/main" xmlns="" val="1"/>
+              <ma14:wrappingTextBoxFlag xmlns="" xmlns:ma14="http://schemas.microsoft.com/office/mac/drawingml/2011/main" val="1"/>
             </a:ext>
           </a:extLst>
         </p:spPr>
@@ -26253,7 +26253,7 @@
           </a:ln>
           <a:extLst>
             <a:ext uri="{C572A759-6A51-4108-AA02-DFA0A04FC94B}">
-              <ma14:wrappingTextBoxFlag xmlns:ma14="http://schemas.microsoft.com/office/mac/drawingml/2011/main" xmlns="" val="1"/>
+              <ma14:wrappingTextBoxFlag xmlns="" xmlns:ma14="http://schemas.microsoft.com/office/mac/drawingml/2011/main" val="1"/>
             </a:ext>
           </a:extLst>
         </p:spPr>
@@ -26338,7 +26338,7 @@
           </a:ln>
           <a:extLst>
             <a:ext uri="{C572A759-6A51-4108-AA02-DFA0A04FC94B}">
-              <ma14:wrappingTextBoxFlag xmlns:ma14="http://schemas.microsoft.com/office/mac/drawingml/2011/main" xmlns="" val="1"/>
+              <ma14:wrappingTextBoxFlag xmlns="" xmlns:ma14="http://schemas.microsoft.com/office/mac/drawingml/2011/main" val="1"/>
             </a:ext>
           </a:extLst>
         </p:spPr>
@@ -26479,7 +26479,7 @@
           </a:ln>
           <a:extLst>
             <a:ext uri="{C572A759-6A51-4108-AA02-DFA0A04FC94B}">
-              <ma14:wrappingTextBoxFlag xmlns:ma14="http://schemas.microsoft.com/office/mac/drawingml/2011/main" xmlns="" val="1"/>
+              <ma14:wrappingTextBoxFlag xmlns="" xmlns:ma14="http://schemas.microsoft.com/office/mac/drawingml/2011/main" val="1"/>
             </a:ext>
           </a:extLst>
         </p:spPr>
@@ -26519,7 +26519,7 @@
           </a:ln>
           <a:extLst>
             <a:ext uri="{C572A759-6A51-4108-AA02-DFA0A04FC94B}">
-              <ma14:wrappingTextBoxFlag xmlns:ma14="http://schemas.microsoft.com/office/mac/drawingml/2011/main" xmlns="" val="1"/>
+              <ma14:wrappingTextBoxFlag xmlns="" xmlns:ma14="http://schemas.microsoft.com/office/mac/drawingml/2011/main" val="1"/>
             </a:ext>
           </a:extLst>
         </p:spPr>
@@ -26592,7 +26592,7 @@
           </a:ln>
           <a:extLst>
             <a:ext uri="{C572A759-6A51-4108-AA02-DFA0A04FC94B}">
-              <ma14:wrappingTextBoxFlag xmlns:ma14="http://schemas.microsoft.com/office/mac/drawingml/2011/main" xmlns="" val="1"/>
+              <ma14:wrappingTextBoxFlag xmlns="" xmlns:ma14="http://schemas.microsoft.com/office/mac/drawingml/2011/main" val="1"/>
             </a:ext>
           </a:extLst>
         </p:spPr>
@@ -26634,7 +26634,7 @@
           </a:ln>
           <a:extLst>
             <a:ext uri="{C572A759-6A51-4108-AA02-DFA0A04FC94B}">
-              <ma14:wrappingTextBoxFlag xmlns:ma14="http://schemas.microsoft.com/office/mac/drawingml/2011/main" xmlns="" val="1"/>
+              <ma14:wrappingTextBoxFlag xmlns="" xmlns:ma14="http://schemas.microsoft.com/office/mac/drawingml/2011/main" val="1"/>
             </a:ext>
           </a:extLst>
         </p:spPr>
@@ -26719,7 +26719,7 @@
           </a:ln>
           <a:extLst>
             <a:ext uri="{C572A759-6A51-4108-AA02-DFA0A04FC94B}">
-              <ma14:wrappingTextBoxFlag xmlns:ma14="http://schemas.microsoft.com/office/mac/drawingml/2011/main" xmlns="" val="1"/>
+              <ma14:wrappingTextBoxFlag xmlns="" xmlns:ma14="http://schemas.microsoft.com/office/mac/drawingml/2011/main" val="1"/>
             </a:ext>
           </a:extLst>
         </p:spPr>
@@ -26815,7 +26815,7 @@
           </a:ln>
           <a:extLst>
             <a:ext uri="{C572A759-6A51-4108-AA02-DFA0A04FC94B}">
-              <ma14:wrappingTextBoxFlag xmlns:ma14="http://schemas.microsoft.com/office/mac/drawingml/2011/main" xmlns="" val="1"/>
+              <ma14:wrappingTextBoxFlag xmlns="" xmlns:ma14="http://schemas.microsoft.com/office/mac/drawingml/2011/main" val="1"/>
             </a:ext>
           </a:extLst>
         </p:spPr>
@@ -26953,7 +26953,7 @@
           </a:ln>
           <a:extLst>
             <a:ext uri="{C572A759-6A51-4108-AA02-DFA0A04FC94B}">
-              <ma14:wrappingTextBoxFlag xmlns:ma14="http://schemas.microsoft.com/office/mac/drawingml/2011/main" xmlns="" val="1"/>
+              <ma14:wrappingTextBoxFlag xmlns="" xmlns:ma14="http://schemas.microsoft.com/office/mac/drawingml/2011/main" val="1"/>
             </a:ext>
           </a:extLst>
         </p:spPr>
@@ -26993,7 +26993,7 @@
           </a:ln>
           <a:extLst>
             <a:ext uri="{C572A759-6A51-4108-AA02-DFA0A04FC94B}">
-              <ma14:wrappingTextBoxFlag xmlns:ma14="http://schemas.microsoft.com/office/mac/drawingml/2011/main" xmlns="" val="1"/>
+              <ma14:wrappingTextBoxFlag xmlns="" xmlns:ma14="http://schemas.microsoft.com/office/mac/drawingml/2011/main" val="1"/>
             </a:ext>
           </a:extLst>
         </p:spPr>
@@ -27066,7 +27066,7 @@
           </a:ln>
           <a:extLst>
             <a:ext uri="{C572A759-6A51-4108-AA02-DFA0A04FC94B}">
-              <ma14:wrappingTextBoxFlag xmlns:ma14="http://schemas.microsoft.com/office/mac/drawingml/2011/main" xmlns="" val="1"/>
+              <ma14:wrappingTextBoxFlag xmlns="" xmlns:ma14="http://schemas.microsoft.com/office/mac/drawingml/2011/main" val="1"/>
             </a:ext>
           </a:extLst>
         </p:spPr>
@@ -27108,7 +27108,7 @@
           </a:ln>
           <a:extLst>
             <a:ext uri="{C572A759-6A51-4108-AA02-DFA0A04FC94B}">
-              <ma14:wrappingTextBoxFlag xmlns:ma14="http://schemas.microsoft.com/office/mac/drawingml/2011/main" xmlns="" val="1"/>
+              <ma14:wrappingTextBoxFlag xmlns="" xmlns:ma14="http://schemas.microsoft.com/office/mac/drawingml/2011/main" val="1"/>
             </a:ext>
           </a:extLst>
         </p:spPr>
@@ -27193,7 +27193,7 @@
           </a:ln>
           <a:extLst>
             <a:ext uri="{C572A759-6A51-4108-AA02-DFA0A04FC94B}">
-              <ma14:wrappingTextBoxFlag xmlns:ma14="http://schemas.microsoft.com/office/mac/drawingml/2011/main" xmlns="" val="1"/>
+              <ma14:wrappingTextBoxFlag xmlns="" xmlns:ma14="http://schemas.microsoft.com/office/mac/drawingml/2011/main" val="1"/>
             </a:ext>
           </a:extLst>
         </p:spPr>
@@ -27289,7 +27289,7 @@
           </a:ln>
           <a:extLst>
             <a:ext uri="{C572A759-6A51-4108-AA02-DFA0A04FC94B}">
-              <ma14:wrappingTextBoxFlag xmlns:ma14="http://schemas.microsoft.com/office/mac/drawingml/2011/main" xmlns="" val="1"/>
+              <ma14:wrappingTextBoxFlag xmlns="" xmlns:ma14="http://schemas.microsoft.com/office/mac/drawingml/2011/main" val="1"/>
             </a:ext>
           </a:extLst>
         </p:spPr>
@@ -27372,7 +27372,7 @@
           </a:ln>
           <a:extLst>
             <a:ext uri="{C572A759-6A51-4108-AA02-DFA0A04FC94B}">
-              <ma14:wrappingTextBoxFlag xmlns:ma14="http://schemas.microsoft.com/office/mac/drawingml/2011/main" xmlns="" val="1"/>
+              <ma14:wrappingTextBoxFlag xmlns="" xmlns:ma14="http://schemas.microsoft.com/office/mac/drawingml/2011/main" val="1"/>
             </a:ext>
           </a:extLst>
         </p:spPr>
@@ -27508,7 +27508,7 @@
           </a:ln>
           <a:extLst>
             <a:ext uri="{C572A759-6A51-4108-AA02-DFA0A04FC94B}">
-              <ma14:wrappingTextBoxFlag xmlns:ma14="http://schemas.microsoft.com/office/mac/drawingml/2011/main" xmlns="" val="1"/>
+              <ma14:wrappingTextBoxFlag xmlns="" xmlns:ma14="http://schemas.microsoft.com/office/mac/drawingml/2011/main" val="1"/>
             </a:ext>
           </a:extLst>
         </p:spPr>
@@ -27547,7 +27547,7 @@
           </a:ln>
           <a:extLst>
             <a:ext uri="{C572A759-6A51-4108-AA02-DFA0A04FC94B}">
-              <ma14:wrappingTextBoxFlag xmlns:ma14="http://schemas.microsoft.com/office/mac/drawingml/2011/main" xmlns="" val="1"/>
+              <ma14:wrappingTextBoxFlag xmlns="" xmlns:ma14="http://schemas.microsoft.com/office/mac/drawingml/2011/main" val="1"/>
             </a:ext>
           </a:extLst>
         </p:spPr>
@@ -27620,7 +27620,7 @@
           </a:ln>
           <a:extLst>
             <a:ext uri="{C572A759-6A51-4108-AA02-DFA0A04FC94B}">
-              <ma14:wrappingTextBoxFlag xmlns:ma14="http://schemas.microsoft.com/office/mac/drawingml/2011/main" xmlns="" val="1"/>
+              <ma14:wrappingTextBoxFlag xmlns="" xmlns:ma14="http://schemas.microsoft.com/office/mac/drawingml/2011/main" val="1"/>
             </a:ext>
           </a:extLst>
         </p:spPr>
@@ -27662,7 +27662,7 @@
           </a:ln>
           <a:extLst>
             <a:ext uri="{C572A759-6A51-4108-AA02-DFA0A04FC94B}">
-              <ma14:wrappingTextBoxFlag xmlns:ma14="http://schemas.microsoft.com/office/mac/drawingml/2011/main" xmlns="" val="1"/>
+              <ma14:wrappingTextBoxFlag xmlns="" xmlns:ma14="http://schemas.microsoft.com/office/mac/drawingml/2011/main" val="1"/>
             </a:ext>
           </a:extLst>
         </p:spPr>
@@ -27747,7 +27747,7 @@
           </a:ln>
           <a:extLst>
             <a:ext uri="{C572A759-6A51-4108-AA02-DFA0A04FC94B}">
-              <ma14:wrappingTextBoxFlag xmlns:ma14="http://schemas.microsoft.com/office/mac/drawingml/2011/main" xmlns="" val="1"/>
+              <ma14:wrappingTextBoxFlag xmlns="" xmlns:ma14="http://schemas.microsoft.com/office/mac/drawingml/2011/main" val="1"/>
             </a:ext>
           </a:extLst>
         </p:spPr>
@@ -27843,7 +27843,7 @@
           </a:ln>
           <a:extLst>
             <a:ext uri="{C572A759-6A51-4108-AA02-DFA0A04FC94B}">
-              <ma14:wrappingTextBoxFlag xmlns:ma14="http://schemas.microsoft.com/office/mac/drawingml/2011/main" xmlns="" val="1"/>
+              <ma14:wrappingTextBoxFlag xmlns="" xmlns:ma14="http://schemas.microsoft.com/office/mac/drawingml/2011/main" val="1"/>
             </a:ext>
           </a:extLst>
         </p:spPr>
@@ -27926,7 +27926,7 @@
           </a:ln>
           <a:extLst>
             <a:ext uri="{C572A759-6A51-4108-AA02-DFA0A04FC94B}">
-              <ma14:wrappingTextBoxFlag xmlns:ma14="http://schemas.microsoft.com/office/mac/drawingml/2011/main" xmlns="" val="1"/>
+              <ma14:wrappingTextBoxFlag xmlns="" xmlns:ma14="http://schemas.microsoft.com/office/mac/drawingml/2011/main" val="1"/>
             </a:ext>
           </a:extLst>
         </p:spPr>
@@ -28009,7 +28009,7 @@
           </a:ln>
           <a:extLst>
             <a:ext uri="{C572A759-6A51-4108-AA02-DFA0A04FC94B}">
-              <ma14:wrappingTextBoxFlag xmlns:ma14="http://schemas.microsoft.com/office/mac/drawingml/2011/main" xmlns="" val="1"/>
+              <ma14:wrappingTextBoxFlag xmlns="" xmlns:ma14="http://schemas.microsoft.com/office/mac/drawingml/2011/main" val="1"/>
             </a:ext>
           </a:extLst>
         </p:spPr>
@@ -28146,7 +28146,7 @@
           </a:ln>
           <a:extLst>
             <a:ext uri="{C572A759-6A51-4108-AA02-DFA0A04FC94B}">
-              <ma14:wrappingTextBoxFlag xmlns:ma14="http://schemas.microsoft.com/office/mac/drawingml/2011/main" xmlns="" val="1"/>
+              <ma14:wrappingTextBoxFlag xmlns="" xmlns:ma14="http://schemas.microsoft.com/office/mac/drawingml/2011/main" val="1"/>
             </a:ext>
           </a:extLst>
         </p:spPr>
@@ -28161,7 +28161,7 @@
             </a:pPr>
             <a:r>
               <a:rPr lang="zh-CN" altLang="en-US" b="1" dirty="0"/>
-              <a:t>队列是一种线性数据结构，类似现实世界中的队列，它主要支持两种主要的操作，分别是</a:t>
+              <a:t>队列是一种线性数据结构，类似现实世界中的队列，它主要支持两种操作，分别是</a:t>
             </a:r>
             <a:r>
               <a:rPr lang="en-US" altLang="zh-CN" b="1" dirty="0"/>
@@ -28592,7 +28592,7 @@
           </a:ln>
           <a:extLst>
             <a:ext uri="{C572A759-6A51-4108-AA02-DFA0A04FC94B}">
-              <ma14:wrappingTextBoxFlag xmlns:ma14="http://schemas.microsoft.com/office/mac/drawingml/2011/main" xmlns="" val="1"/>
+              <ma14:wrappingTextBoxFlag xmlns="" xmlns:ma14="http://schemas.microsoft.com/office/mac/drawingml/2011/main" val="1"/>
             </a:ext>
           </a:extLst>
         </p:spPr>
@@ -28667,7 +28667,7 @@
           </a:ln>
           <a:extLst>
             <a:ext uri="{C572A759-6A51-4108-AA02-DFA0A04FC94B}">
-              <ma14:wrappingTextBoxFlag xmlns:ma14="http://schemas.microsoft.com/office/mac/drawingml/2011/main" xmlns="" val="1"/>
+              <ma14:wrappingTextBoxFlag xmlns="" xmlns:ma14="http://schemas.microsoft.com/office/mac/drawingml/2011/main" val="1"/>
             </a:ext>
           </a:extLst>
         </p:spPr>
@@ -28896,7 +28896,7 @@
           </a:ln>
           <a:extLst>
             <a:ext uri="{C572A759-6A51-4108-AA02-DFA0A04FC94B}">
-              <ma14:wrappingTextBoxFlag xmlns:ma14="http://schemas.microsoft.com/office/mac/drawingml/2011/main" xmlns="" val="1"/>
+              <ma14:wrappingTextBoxFlag xmlns="" xmlns:ma14="http://schemas.microsoft.com/office/mac/drawingml/2011/main" val="1"/>
             </a:ext>
           </a:extLst>
         </p:spPr>
@@ -28937,7 +28937,7 @@
           </a:ln>
           <a:extLst>
             <a:ext uri="{C572A759-6A51-4108-AA02-DFA0A04FC94B}">
-              <ma14:wrappingTextBoxFlag xmlns:ma14="http://schemas.microsoft.com/office/mac/drawingml/2011/main" xmlns="" val="1"/>
+              <ma14:wrappingTextBoxFlag xmlns="" xmlns:ma14="http://schemas.microsoft.com/office/mac/drawingml/2011/main" val="1"/>
             </a:ext>
           </a:extLst>
         </p:spPr>
@@ -29034,7 +29034,7 @@
           </a:ln>
           <a:extLst>
             <a:ext uri="{C572A759-6A51-4108-AA02-DFA0A04FC94B}">
-              <ma14:wrappingTextBoxFlag xmlns:ma14="http://schemas.microsoft.com/office/mac/drawingml/2011/main" xmlns="" val="1"/>
+              <ma14:wrappingTextBoxFlag xmlns="" xmlns:ma14="http://schemas.microsoft.com/office/mac/drawingml/2011/main" val="1"/>
             </a:ext>
           </a:extLst>
         </p:spPr>
@@ -29074,7 +29074,7 @@
           </a:ln>
           <a:extLst>
             <a:ext uri="{C572A759-6A51-4108-AA02-DFA0A04FC94B}">
-              <ma14:wrappingTextBoxFlag xmlns:ma14="http://schemas.microsoft.com/office/mac/drawingml/2011/main" xmlns="" val="1"/>
+              <ma14:wrappingTextBoxFlag xmlns="" xmlns:ma14="http://schemas.microsoft.com/office/mac/drawingml/2011/main" val="1"/>
             </a:ext>
           </a:extLst>
         </p:spPr>
@@ -29147,7 +29147,7 @@
           </a:ln>
           <a:extLst>
             <a:ext uri="{C572A759-6A51-4108-AA02-DFA0A04FC94B}">
-              <ma14:wrappingTextBoxFlag xmlns:ma14="http://schemas.microsoft.com/office/mac/drawingml/2011/main" xmlns="" val="1"/>
+              <ma14:wrappingTextBoxFlag xmlns="" xmlns:ma14="http://schemas.microsoft.com/office/mac/drawingml/2011/main" val="1"/>
             </a:ext>
           </a:extLst>
         </p:spPr>
@@ -29189,7 +29189,7 @@
           </a:ln>
           <a:extLst>
             <a:ext uri="{C572A759-6A51-4108-AA02-DFA0A04FC94B}">
-              <ma14:wrappingTextBoxFlag xmlns:ma14="http://schemas.microsoft.com/office/mac/drawingml/2011/main" xmlns="" val="1"/>
+              <ma14:wrappingTextBoxFlag xmlns="" xmlns:ma14="http://schemas.microsoft.com/office/mac/drawingml/2011/main" val="1"/>
             </a:ext>
           </a:extLst>
         </p:spPr>
@@ -29274,7 +29274,7 @@
           </a:ln>
           <a:extLst>
             <a:ext uri="{C572A759-6A51-4108-AA02-DFA0A04FC94B}">
-              <ma14:wrappingTextBoxFlag xmlns:ma14="http://schemas.microsoft.com/office/mac/drawingml/2011/main" xmlns="" val="1"/>
+              <ma14:wrappingTextBoxFlag xmlns="" xmlns:ma14="http://schemas.microsoft.com/office/mac/drawingml/2011/main" val="1"/>
             </a:ext>
           </a:extLst>
         </p:spPr>
@@ -29370,7 +29370,7 @@
           </a:ln>
           <a:extLst>
             <a:ext uri="{C572A759-6A51-4108-AA02-DFA0A04FC94B}">
-              <ma14:wrappingTextBoxFlag xmlns:ma14="http://schemas.microsoft.com/office/mac/drawingml/2011/main" xmlns="" val="1"/>
+              <ma14:wrappingTextBoxFlag xmlns="" xmlns:ma14="http://schemas.microsoft.com/office/mac/drawingml/2011/main" val="1"/>
             </a:ext>
           </a:extLst>
         </p:spPr>
@@ -29453,7 +29453,7 @@
           </a:ln>
           <a:extLst>
             <a:ext uri="{C572A759-6A51-4108-AA02-DFA0A04FC94B}">
-              <ma14:wrappingTextBoxFlag xmlns:ma14="http://schemas.microsoft.com/office/mac/drawingml/2011/main" xmlns="" val="1"/>
+              <ma14:wrappingTextBoxFlag xmlns="" xmlns:ma14="http://schemas.microsoft.com/office/mac/drawingml/2011/main" val="1"/>
             </a:ext>
           </a:extLst>
         </p:spPr>
@@ -29536,7 +29536,7 @@
           </a:ln>
           <a:extLst>
             <a:ext uri="{C572A759-6A51-4108-AA02-DFA0A04FC94B}">
-              <ma14:wrappingTextBoxFlag xmlns:ma14="http://schemas.microsoft.com/office/mac/drawingml/2011/main" xmlns="" val="1"/>
+              <ma14:wrappingTextBoxFlag xmlns="" xmlns:ma14="http://schemas.microsoft.com/office/mac/drawingml/2011/main" val="1"/>
             </a:ext>
           </a:extLst>
         </p:spPr>
@@ -29619,7 +29619,7 @@
           </a:ln>
           <a:extLst>
             <a:ext uri="{C572A759-6A51-4108-AA02-DFA0A04FC94B}">
-              <ma14:wrappingTextBoxFlag xmlns:ma14="http://schemas.microsoft.com/office/mac/drawingml/2011/main" xmlns="" val="1"/>
+              <ma14:wrappingTextBoxFlag xmlns="" xmlns:ma14="http://schemas.microsoft.com/office/mac/drawingml/2011/main" val="1"/>
             </a:ext>
           </a:extLst>
         </p:spPr>
@@ -29755,7 +29755,7 @@
           </a:ln>
           <a:extLst>
             <a:ext uri="{C572A759-6A51-4108-AA02-DFA0A04FC94B}">
-              <ma14:wrappingTextBoxFlag xmlns:ma14="http://schemas.microsoft.com/office/mac/drawingml/2011/main" xmlns="" val="1"/>
+              <ma14:wrappingTextBoxFlag xmlns="" xmlns:ma14="http://schemas.microsoft.com/office/mac/drawingml/2011/main" val="1"/>
             </a:ext>
           </a:extLst>
         </p:spPr>
@@ -29795,7 +29795,7 @@
           </a:ln>
           <a:extLst>
             <a:ext uri="{C572A759-6A51-4108-AA02-DFA0A04FC94B}">
-              <ma14:wrappingTextBoxFlag xmlns:ma14="http://schemas.microsoft.com/office/mac/drawingml/2011/main" xmlns="" val="1"/>
+              <ma14:wrappingTextBoxFlag xmlns="" xmlns:ma14="http://schemas.microsoft.com/office/mac/drawingml/2011/main" val="1"/>
             </a:ext>
           </a:extLst>
         </p:spPr>
@@ -29868,7 +29868,7 @@
           </a:ln>
           <a:extLst>
             <a:ext uri="{C572A759-6A51-4108-AA02-DFA0A04FC94B}">
-              <ma14:wrappingTextBoxFlag xmlns:ma14="http://schemas.microsoft.com/office/mac/drawingml/2011/main" xmlns="" val="1"/>
+              <ma14:wrappingTextBoxFlag xmlns="" xmlns:ma14="http://schemas.microsoft.com/office/mac/drawingml/2011/main" val="1"/>
             </a:ext>
           </a:extLst>
         </p:spPr>
@@ -29910,7 +29910,7 @@
           </a:ln>
           <a:extLst>
             <a:ext uri="{C572A759-6A51-4108-AA02-DFA0A04FC94B}">
-              <ma14:wrappingTextBoxFlag xmlns:ma14="http://schemas.microsoft.com/office/mac/drawingml/2011/main" xmlns="" val="1"/>
+              <ma14:wrappingTextBoxFlag xmlns="" xmlns:ma14="http://schemas.microsoft.com/office/mac/drawingml/2011/main" val="1"/>
             </a:ext>
           </a:extLst>
         </p:spPr>
@@ -29995,7 +29995,7 @@
           </a:ln>
           <a:extLst>
             <a:ext uri="{C572A759-6A51-4108-AA02-DFA0A04FC94B}">
-              <ma14:wrappingTextBoxFlag xmlns:ma14="http://schemas.microsoft.com/office/mac/drawingml/2011/main" xmlns="" val="1"/>
+              <ma14:wrappingTextBoxFlag xmlns="" xmlns:ma14="http://schemas.microsoft.com/office/mac/drawingml/2011/main" val="1"/>
             </a:ext>
           </a:extLst>
         </p:spPr>
@@ -30091,7 +30091,7 @@
           </a:ln>
           <a:extLst>
             <a:ext uri="{C572A759-6A51-4108-AA02-DFA0A04FC94B}">
-              <ma14:wrappingTextBoxFlag xmlns:ma14="http://schemas.microsoft.com/office/mac/drawingml/2011/main" xmlns="" val="1"/>
+              <ma14:wrappingTextBoxFlag xmlns="" xmlns:ma14="http://schemas.microsoft.com/office/mac/drawingml/2011/main" val="1"/>
             </a:ext>
           </a:extLst>
         </p:spPr>
@@ -30174,7 +30174,7 @@
           </a:ln>
           <a:extLst>
             <a:ext uri="{C572A759-6A51-4108-AA02-DFA0A04FC94B}">
-              <ma14:wrappingTextBoxFlag xmlns:ma14="http://schemas.microsoft.com/office/mac/drawingml/2011/main" xmlns="" val="1"/>
+              <ma14:wrappingTextBoxFlag xmlns="" xmlns:ma14="http://schemas.microsoft.com/office/mac/drawingml/2011/main" val="1"/>
             </a:ext>
           </a:extLst>
         </p:spPr>
@@ -30257,7 +30257,7 @@
           </a:ln>
           <a:extLst>
             <a:ext uri="{C572A759-6A51-4108-AA02-DFA0A04FC94B}">
-              <ma14:wrappingTextBoxFlag xmlns:ma14="http://schemas.microsoft.com/office/mac/drawingml/2011/main" xmlns="" val="1"/>
+              <ma14:wrappingTextBoxFlag xmlns="" xmlns:ma14="http://schemas.microsoft.com/office/mac/drawingml/2011/main" val="1"/>
             </a:ext>
           </a:extLst>
         </p:spPr>
@@ -30340,7 +30340,7 @@
           </a:ln>
           <a:extLst>
             <a:ext uri="{C572A759-6A51-4108-AA02-DFA0A04FC94B}">
-              <ma14:wrappingTextBoxFlag xmlns:ma14="http://schemas.microsoft.com/office/mac/drawingml/2011/main" xmlns="" val="1"/>
+              <ma14:wrappingTextBoxFlag xmlns="" xmlns:ma14="http://schemas.microsoft.com/office/mac/drawingml/2011/main" val="1"/>
             </a:ext>
           </a:extLst>
         </p:spPr>
@@ -30423,7 +30423,7 @@
           </a:ln>
           <a:extLst>
             <a:ext uri="{C572A759-6A51-4108-AA02-DFA0A04FC94B}">
-              <ma14:wrappingTextBoxFlag xmlns:ma14="http://schemas.microsoft.com/office/mac/drawingml/2011/main" xmlns="" val="1"/>
+              <ma14:wrappingTextBoxFlag xmlns="" xmlns:ma14="http://schemas.microsoft.com/office/mac/drawingml/2011/main" val="1"/>
             </a:ext>
           </a:extLst>
         </p:spPr>
@@ -30559,7 +30559,7 @@
           </a:ln>
           <a:extLst>
             <a:ext uri="{C572A759-6A51-4108-AA02-DFA0A04FC94B}">
-              <ma14:wrappingTextBoxFlag xmlns:ma14="http://schemas.microsoft.com/office/mac/drawingml/2011/main" xmlns="" val="1"/>
+              <ma14:wrappingTextBoxFlag xmlns="" xmlns:ma14="http://schemas.microsoft.com/office/mac/drawingml/2011/main" val="1"/>
             </a:ext>
           </a:extLst>
         </p:spPr>
@@ -30599,7 +30599,7 @@
           </a:ln>
           <a:extLst>
             <a:ext uri="{C572A759-6A51-4108-AA02-DFA0A04FC94B}">
-              <ma14:wrappingTextBoxFlag xmlns:ma14="http://schemas.microsoft.com/office/mac/drawingml/2011/main" xmlns="" val="1"/>
+              <ma14:wrappingTextBoxFlag xmlns="" xmlns:ma14="http://schemas.microsoft.com/office/mac/drawingml/2011/main" val="1"/>
             </a:ext>
           </a:extLst>
         </p:spPr>
@@ -30662,7 +30662,7 @@
           </a:ln>
           <a:extLst>
             <a:ext uri="{C572A759-6A51-4108-AA02-DFA0A04FC94B}">
-              <ma14:wrappingTextBoxFlag xmlns:ma14="http://schemas.microsoft.com/office/mac/drawingml/2011/main" xmlns="" val="1"/>
+              <ma14:wrappingTextBoxFlag xmlns="" xmlns:ma14="http://schemas.microsoft.com/office/mac/drawingml/2011/main" val="1"/>
             </a:ext>
           </a:extLst>
         </p:spPr>
@@ -30704,7 +30704,7 @@
           </a:ln>
           <a:extLst>
             <a:ext uri="{C572A759-6A51-4108-AA02-DFA0A04FC94B}">
-              <ma14:wrappingTextBoxFlag xmlns:ma14="http://schemas.microsoft.com/office/mac/drawingml/2011/main" xmlns="" val="1"/>
+              <ma14:wrappingTextBoxFlag xmlns="" xmlns:ma14="http://schemas.microsoft.com/office/mac/drawingml/2011/main" val="1"/>
             </a:ext>
           </a:extLst>
         </p:spPr>
@@ -30789,7 +30789,7 @@
           </a:ln>
           <a:extLst>
             <a:ext uri="{C572A759-6A51-4108-AA02-DFA0A04FC94B}">
-              <ma14:wrappingTextBoxFlag xmlns:ma14="http://schemas.microsoft.com/office/mac/drawingml/2011/main" xmlns="" val="1"/>
+              <ma14:wrappingTextBoxFlag xmlns="" xmlns:ma14="http://schemas.microsoft.com/office/mac/drawingml/2011/main" val="1"/>
             </a:ext>
           </a:extLst>
         </p:spPr>
@@ -30885,7 +30885,7 @@
           </a:ln>
           <a:extLst>
             <a:ext uri="{C572A759-6A51-4108-AA02-DFA0A04FC94B}">
-              <ma14:wrappingTextBoxFlag xmlns:ma14="http://schemas.microsoft.com/office/mac/drawingml/2011/main" xmlns="" val="1"/>
+              <ma14:wrappingTextBoxFlag xmlns="" xmlns:ma14="http://schemas.microsoft.com/office/mac/drawingml/2011/main" val="1"/>
             </a:ext>
           </a:extLst>
         </p:spPr>
@@ -30968,7 +30968,7 @@
           </a:ln>
           <a:extLst>
             <a:ext uri="{C572A759-6A51-4108-AA02-DFA0A04FC94B}">
-              <ma14:wrappingTextBoxFlag xmlns:ma14="http://schemas.microsoft.com/office/mac/drawingml/2011/main" xmlns="" val="1"/>
+              <ma14:wrappingTextBoxFlag xmlns="" xmlns:ma14="http://schemas.microsoft.com/office/mac/drawingml/2011/main" val="1"/>
             </a:ext>
           </a:extLst>
         </p:spPr>
@@ -31051,7 +31051,7 @@
           </a:ln>
           <a:extLst>
             <a:ext uri="{C572A759-6A51-4108-AA02-DFA0A04FC94B}">
-              <ma14:wrappingTextBoxFlag xmlns:ma14="http://schemas.microsoft.com/office/mac/drawingml/2011/main" xmlns="" val="1"/>
+              <ma14:wrappingTextBoxFlag xmlns="" xmlns:ma14="http://schemas.microsoft.com/office/mac/drawingml/2011/main" val="1"/>
             </a:ext>
           </a:extLst>
         </p:spPr>
@@ -31134,7 +31134,7 @@
           </a:ln>
           <a:extLst>
             <a:ext uri="{C572A759-6A51-4108-AA02-DFA0A04FC94B}">
-              <ma14:wrappingTextBoxFlag xmlns:ma14="http://schemas.microsoft.com/office/mac/drawingml/2011/main" xmlns="" val="1"/>
+              <ma14:wrappingTextBoxFlag xmlns="" xmlns:ma14="http://schemas.microsoft.com/office/mac/drawingml/2011/main" val="1"/>
             </a:ext>
           </a:extLst>
         </p:spPr>
@@ -31217,7 +31217,7 @@
           </a:ln>
           <a:extLst>
             <a:ext uri="{C572A759-6A51-4108-AA02-DFA0A04FC94B}">
-              <ma14:wrappingTextBoxFlag xmlns:ma14="http://schemas.microsoft.com/office/mac/drawingml/2011/main" xmlns="" val="1"/>
+              <ma14:wrappingTextBoxFlag xmlns="" xmlns:ma14="http://schemas.microsoft.com/office/mac/drawingml/2011/main" val="1"/>
             </a:ext>
           </a:extLst>
         </p:spPr>
@@ -31353,7 +31353,7 @@
           </a:ln>
           <a:extLst>
             <a:ext uri="{C572A759-6A51-4108-AA02-DFA0A04FC94B}">
-              <ma14:wrappingTextBoxFlag xmlns:ma14="http://schemas.microsoft.com/office/mac/drawingml/2011/main" xmlns="" val="1"/>
+              <ma14:wrappingTextBoxFlag xmlns="" xmlns:ma14="http://schemas.microsoft.com/office/mac/drawingml/2011/main" val="1"/>
             </a:ext>
           </a:extLst>
         </p:spPr>
@@ -31393,7 +31393,7 @@
           </a:ln>
           <a:extLst>
             <a:ext uri="{C572A759-6A51-4108-AA02-DFA0A04FC94B}">
-              <ma14:wrappingTextBoxFlag xmlns:ma14="http://schemas.microsoft.com/office/mac/drawingml/2011/main" xmlns="" val="1"/>
+              <ma14:wrappingTextBoxFlag xmlns="" xmlns:ma14="http://schemas.microsoft.com/office/mac/drawingml/2011/main" val="1"/>
             </a:ext>
           </a:extLst>
         </p:spPr>
@@ -31474,7 +31474,7 @@
           </a:ln>
           <a:extLst>
             <a:ext uri="{C572A759-6A51-4108-AA02-DFA0A04FC94B}">
-              <ma14:wrappingTextBoxFlag xmlns:ma14="http://schemas.microsoft.com/office/mac/drawingml/2011/main" xmlns="" val="1"/>
+              <ma14:wrappingTextBoxFlag xmlns="" xmlns:ma14="http://schemas.microsoft.com/office/mac/drawingml/2011/main" val="1"/>
             </a:ext>
           </a:extLst>
         </p:spPr>
@@ -31516,7 +31516,7 @@
           </a:ln>
           <a:extLst>
             <a:ext uri="{C572A759-6A51-4108-AA02-DFA0A04FC94B}">
-              <ma14:wrappingTextBoxFlag xmlns:ma14="http://schemas.microsoft.com/office/mac/drawingml/2011/main" xmlns="" val="1"/>
+              <ma14:wrappingTextBoxFlag xmlns="" xmlns:ma14="http://schemas.microsoft.com/office/mac/drawingml/2011/main" val="1"/>
             </a:ext>
           </a:extLst>
         </p:spPr>
@@ -31601,7 +31601,7 @@
           </a:ln>
           <a:extLst>
             <a:ext uri="{C572A759-6A51-4108-AA02-DFA0A04FC94B}">
-              <ma14:wrappingTextBoxFlag xmlns:ma14="http://schemas.microsoft.com/office/mac/drawingml/2011/main" xmlns="" val="1"/>
+              <ma14:wrappingTextBoxFlag xmlns="" xmlns:ma14="http://schemas.microsoft.com/office/mac/drawingml/2011/main" val="1"/>
             </a:ext>
           </a:extLst>
         </p:spPr>
@@ -31697,7 +31697,7 @@
           </a:ln>
           <a:extLst>
             <a:ext uri="{C572A759-6A51-4108-AA02-DFA0A04FC94B}">
-              <ma14:wrappingTextBoxFlag xmlns:ma14="http://schemas.microsoft.com/office/mac/drawingml/2011/main" xmlns="" val="1"/>
+              <ma14:wrappingTextBoxFlag xmlns="" xmlns:ma14="http://schemas.microsoft.com/office/mac/drawingml/2011/main" val="1"/>
             </a:ext>
           </a:extLst>
         </p:spPr>
@@ -31742,7 +31742,7 @@
           </a:ln>
           <a:extLst>
             <a:ext uri="{C572A759-6A51-4108-AA02-DFA0A04FC94B}">
-              <ma14:wrappingTextBoxFlag xmlns:ma14="http://schemas.microsoft.com/office/mac/drawingml/2011/main" xmlns="" val="1"/>
+              <ma14:wrappingTextBoxFlag xmlns="" xmlns:ma14="http://schemas.microsoft.com/office/mac/drawingml/2011/main" val="1"/>
             </a:ext>
           </a:extLst>
         </p:spPr>
@@ -31825,7 +31825,7 @@
           </a:ln>
           <a:extLst>
             <a:ext uri="{C572A759-6A51-4108-AA02-DFA0A04FC94B}">
-              <ma14:wrappingTextBoxFlag xmlns:ma14="http://schemas.microsoft.com/office/mac/drawingml/2011/main" xmlns="" val="1"/>
+              <ma14:wrappingTextBoxFlag xmlns="" xmlns:ma14="http://schemas.microsoft.com/office/mac/drawingml/2011/main" val="1"/>
             </a:ext>
           </a:extLst>
         </p:spPr>
@@ -31908,7 +31908,7 @@
           </a:ln>
           <a:extLst>
             <a:ext uri="{C572A759-6A51-4108-AA02-DFA0A04FC94B}">
-              <ma14:wrappingTextBoxFlag xmlns:ma14="http://schemas.microsoft.com/office/mac/drawingml/2011/main" xmlns="" val="1"/>
+              <ma14:wrappingTextBoxFlag xmlns="" xmlns:ma14="http://schemas.microsoft.com/office/mac/drawingml/2011/main" val="1"/>
             </a:ext>
           </a:extLst>
         </p:spPr>
@@ -31991,7 +31991,7 @@
           </a:ln>
           <a:extLst>
             <a:ext uri="{C572A759-6A51-4108-AA02-DFA0A04FC94B}">
-              <ma14:wrappingTextBoxFlag xmlns:ma14="http://schemas.microsoft.com/office/mac/drawingml/2011/main" xmlns="" val="1"/>
+              <ma14:wrappingTextBoxFlag xmlns="" xmlns:ma14="http://schemas.microsoft.com/office/mac/drawingml/2011/main" val="1"/>
             </a:ext>
           </a:extLst>
         </p:spPr>
@@ -32082,7 +32082,7 @@
           </a:ln>
           <a:extLst>
             <a:ext uri="{C572A759-6A51-4108-AA02-DFA0A04FC94B}">
-              <ma14:wrappingTextBoxFlag xmlns:ma14="http://schemas.microsoft.com/office/mac/drawingml/2011/main" xmlns="" val="1"/>
+              <ma14:wrappingTextBoxFlag xmlns="" xmlns:ma14="http://schemas.microsoft.com/office/mac/drawingml/2011/main" val="1"/>
             </a:ext>
           </a:extLst>
         </p:spPr>
@@ -32180,7 +32180,7 @@
           </a:ln>
           <a:extLst>
             <a:ext uri="{C572A759-6A51-4108-AA02-DFA0A04FC94B}">
-              <ma14:wrappingTextBoxFlag xmlns:ma14="http://schemas.microsoft.com/office/mac/drawingml/2011/main" xmlns="" val="1"/>
+              <ma14:wrappingTextBoxFlag xmlns="" xmlns:ma14="http://schemas.microsoft.com/office/mac/drawingml/2011/main" val="1"/>
             </a:ext>
           </a:extLst>
         </p:spPr>
@@ -32220,7 +32220,7 @@
           </a:ln>
           <a:extLst>
             <a:ext uri="{C572A759-6A51-4108-AA02-DFA0A04FC94B}">
-              <ma14:wrappingTextBoxFlag xmlns:ma14="http://schemas.microsoft.com/office/mac/drawingml/2011/main" xmlns="" val="1"/>
+              <ma14:wrappingTextBoxFlag xmlns="" xmlns:ma14="http://schemas.microsoft.com/office/mac/drawingml/2011/main" val="1"/>
             </a:ext>
           </a:extLst>
         </p:spPr>
@@ -32290,7 +32290,7 @@
           </a:ln>
           <a:extLst>
             <a:ext uri="{C572A759-6A51-4108-AA02-DFA0A04FC94B}">
-              <ma14:wrappingTextBoxFlag xmlns:ma14="http://schemas.microsoft.com/office/mac/drawingml/2011/main" xmlns="" val="1"/>
+              <ma14:wrappingTextBoxFlag xmlns="" xmlns:ma14="http://schemas.microsoft.com/office/mac/drawingml/2011/main" val="1"/>
             </a:ext>
           </a:extLst>
         </p:spPr>
@@ -32375,7 +32375,7 @@
           </a:ln>
           <a:extLst>
             <a:ext uri="{C572A759-6A51-4108-AA02-DFA0A04FC94B}">
-              <ma14:wrappingTextBoxFlag xmlns:ma14="http://schemas.microsoft.com/office/mac/drawingml/2011/main" xmlns="" val="1"/>
+              <ma14:wrappingTextBoxFlag xmlns="" xmlns:ma14="http://schemas.microsoft.com/office/mac/drawingml/2011/main" val="1"/>
             </a:ext>
           </a:extLst>
         </p:spPr>
@@ -32471,7 +32471,7 @@
           </a:ln>
           <a:extLst>
             <a:ext uri="{C572A759-6A51-4108-AA02-DFA0A04FC94B}">
-              <ma14:wrappingTextBoxFlag xmlns:ma14="http://schemas.microsoft.com/office/mac/drawingml/2011/main" xmlns="" val="1"/>
+              <ma14:wrappingTextBoxFlag xmlns="" xmlns:ma14="http://schemas.microsoft.com/office/mac/drawingml/2011/main" val="1"/>
             </a:ext>
           </a:extLst>
         </p:spPr>
@@ -32516,7 +32516,7 @@
           </a:ln>
           <a:extLst>
             <a:ext uri="{C572A759-6A51-4108-AA02-DFA0A04FC94B}">
-              <ma14:wrappingTextBoxFlag xmlns:ma14="http://schemas.microsoft.com/office/mac/drawingml/2011/main" xmlns="" val="1"/>
+              <ma14:wrappingTextBoxFlag xmlns="" xmlns:ma14="http://schemas.microsoft.com/office/mac/drawingml/2011/main" val="1"/>
             </a:ext>
           </a:extLst>
         </p:spPr>
@@ -32599,7 +32599,7 @@
           </a:ln>
           <a:extLst>
             <a:ext uri="{C572A759-6A51-4108-AA02-DFA0A04FC94B}">
-              <ma14:wrappingTextBoxFlag xmlns:ma14="http://schemas.microsoft.com/office/mac/drawingml/2011/main" xmlns="" val="1"/>
+              <ma14:wrappingTextBoxFlag xmlns="" xmlns:ma14="http://schemas.microsoft.com/office/mac/drawingml/2011/main" val="1"/>
             </a:ext>
           </a:extLst>
         </p:spPr>
@@ -32682,7 +32682,7 @@
           </a:ln>
           <a:extLst>
             <a:ext uri="{C572A759-6A51-4108-AA02-DFA0A04FC94B}">
-              <ma14:wrappingTextBoxFlag xmlns:ma14="http://schemas.microsoft.com/office/mac/drawingml/2011/main" xmlns="" val="1"/>
+              <ma14:wrappingTextBoxFlag xmlns="" xmlns:ma14="http://schemas.microsoft.com/office/mac/drawingml/2011/main" val="1"/>
             </a:ext>
           </a:extLst>
         </p:spPr>
@@ -32773,7 +32773,7 @@
           </a:ln>
           <a:extLst>
             <a:ext uri="{C572A759-6A51-4108-AA02-DFA0A04FC94B}">
-              <ma14:wrappingTextBoxFlag xmlns:ma14="http://schemas.microsoft.com/office/mac/drawingml/2011/main" xmlns="" val="1"/>
+              <ma14:wrappingTextBoxFlag xmlns="" xmlns:ma14="http://schemas.microsoft.com/office/mac/drawingml/2011/main" val="1"/>
             </a:ext>
           </a:extLst>
         </p:spPr>
@@ -32871,7 +32871,7 @@
           </a:ln>
           <a:extLst>
             <a:ext uri="{C572A759-6A51-4108-AA02-DFA0A04FC94B}">
-              <ma14:wrappingTextBoxFlag xmlns:ma14="http://schemas.microsoft.com/office/mac/drawingml/2011/main" xmlns="" val="1"/>
+              <ma14:wrappingTextBoxFlag xmlns="" xmlns:ma14="http://schemas.microsoft.com/office/mac/drawingml/2011/main" val="1"/>
             </a:ext>
           </a:extLst>
         </p:spPr>
@@ -32911,7 +32911,7 @@
           </a:ln>
           <a:extLst>
             <a:ext uri="{C572A759-6A51-4108-AA02-DFA0A04FC94B}">
-              <ma14:wrappingTextBoxFlag xmlns:ma14="http://schemas.microsoft.com/office/mac/drawingml/2011/main" xmlns="" val="1"/>
+              <ma14:wrappingTextBoxFlag xmlns="" xmlns:ma14="http://schemas.microsoft.com/office/mac/drawingml/2011/main" val="1"/>
             </a:ext>
           </a:extLst>
         </p:spPr>
@@ -32981,7 +32981,7 @@
           </a:ln>
           <a:extLst>
             <a:ext uri="{C572A759-6A51-4108-AA02-DFA0A04FC94B}">
-              <ma14:wrappingTextBoxFlag xmlns:ma14="http://schemas.microsoft.com/office/mac/drawingml/2011/main" xmlns="" val="1"/>
+              <ma14:wrappingTextBoxFlag xmlns="" xmlns:ma14="http://schemas.microsoft.com/office/mac/drawingml/2011/main" val="1"/>
             </a:ext>
           </a:extLst>
         </p:spPr>
@@ -33066,7 +33066,7 @@
           </a:ln>
           <a:extLst>
             <a:ext uri="{C572A759-6A51-4108-AA02-DFA0A04FC94B}">
-              <ma14:wrappingTextBoxFlag xmlns:ma14="http://schemas.microsoft.com/office/mac/drawingml/2011/main" xmlns="" val="1"/>
+              <ma14:wrappingTextBoxFlag xmlns="" xmlns:ma14="http://schemas.microsoft.com/office/mac/drawingml/2011/main" val="1"/>
             </a:ext>
           </a:extLst>
         </p:spPr>
@@ -33162,7 +33162,7 @@
           </a:ln>
           <a:extLst>
             <a:ext uri="{C572A759-6A51-4108-AA02-DFA0A04FC94B}">
-              <ma14:wrappingTextBoxFlag xmlns:ma14="http://schemas.microsoft.com/office/mac/drawingml/2011/main" xmlns="" val="1"/>
+              <ma14:wrappingTextBoxFlag xmlns="" xmlns:ma14="http://schemas.microsoft.com/office/mac/drawingml/2011/main" val="1"/>
             </a:ext>
           </a:extLst>
         </p:spPr>
@@ -33207,7 +33207,7 @@
           </a:ln>
           <a:extLst>
             <a:ext uri="{C572A759-6A51-4108-AA02-DFA0A04FC94B}">
-              <ma14:wrappingTextBoxFlag xmlns:ma14="http://schemas.microsoft.com/office/mac/drawingml/2011/main" xmlns="" val="1"/>
+              <ma14:wrappingTextBoxFlag xmlns="" xmlns:ma14="http://schemas.microsoft.com/office/mac/drawingml/2011/main" val="1"/>
             </a:ext>
           </a:extLst>
         </p:spPr>
@@ -33290,7 +33290,7 @@
           </a:ln>
           <a:extLst>
             <a:ext uri="{C572A759-6A51-4108-AA02-DFA0A04FC94B}">
-              <ma14:wrappingTextBoxFlag xmlns:ma14="http://schemas.microsoft.com/office/mac/drawingml/2011/main" xmlns="" val="1"/>
+              <ma14:wrappingTextBoxFlag xmlns="" xmlns:ma14="http://schemas.microsoft.com/office/mac/drawingml/2011/main" val="1"/>
             </a:ext>
           </a:extLst>
         </p:spPr>
@@ -33381,7 +33381,7 @@
           </a:ln>
           <a:extLst>
             <a:ext uri="{C572A759-6A51-4108-AA02-DFA0A04FC94B}">
-              <ma14:wrappingTextBoxFlag xmlns:ma14="http://schemas.microsoft.com/office/mac/drawingml/2011/main" xmlns="" val="1"/>
+              <ma14:wrappingTextBoxFlag xmlns="" xmlns:ma14="http://schemas.microsoft.com/office/mac/drawingml/2011/main" val="1"/>
             </a:ext>
           </a:extLst>
         </p:spPr>
@@ -33479,7 +33479,7 @@
           </a:ln>
           <a:extLst>
             <a:ext uri="{C572A759-6A51-4108-AA02-DFA0A04FC94B}">
-              <ma14:wrappingTextBoxFlag xmlns:ma14="http://schemas.microsoft.com/office/mac/drawingml/2011/main" xmlns="" val="1"/>
+              <ma14:wrappingTextBoxFlag xmlns="" xmlns:ma14="http://schemas.microsoft.com/office/mac/drawingml/2011/main" val="1"/>
             </a:ext>
           </a:extLst>
         </p:spPr>
@@ -33519,7 +33519,7 @@
           </a:ln>
           <a:extLst>
             <a:ext uri="{C572A759-6A51-4108-AA02-DFA0A04FC94B}">
-              <ma14:wrappingTextBoxFlag xmlns:ma14="http://schemas.microsoft.com/office/mac/drawingml/2011/main" xmlns="" val="1"/>
+              <ma14:wrappingTextBoxFlag xmlns="" xmlns:ma14="http://schemas.microsoft.com/office/mac/drawingml/2011/main" val="1"/>
             </a:ext>
           </a:extLst>
         </p:spPr>
@@ -33589,7 +33589,7 @@
           </a:ln>
           <a:extLst>
             <a:ext uri="{C572A759-6A51-4108-AA02-DFA0A04FC94B}">
-              <ma14:wrappingTextBoxFlag xmlns:ma14="http://schemas.microsoft.com/office/mac/drawingml/2011/main" xmlns="" val="1"/>
+              <ma14:wrappingTextBoxFlag xmlns="" xmlns:ma14="http://schemas.microsoft.com/office/mac/drawingml/2011/main" val="1"/>
             </a:ext>
           </a:extLst>
         </p:spPr>
@@ -33674,7 +33674,7 @@
           </a:ln>
           <a:extLst>
             <a:ext uri="{C572A759-6A51-4108-AA02-DFA0A04FC94B}">
-              <ma14:wrappingTextBoxFlag xmlns:ma14="http://schemas.microsoft.com/office/mac/drawingml/2011/main" xmlns="" val="1"/>
+              <ma14:wrappingTextBoxFlag xmlns="" xmlns:ma14="http://schemas.microsoft.com/office/mac/drawingml/2011/main" val="1"/>
             </a:ext>
           </a:extLst>
         </p:spPr>
@@ -33770,7 +33770,7 @@
           </a:ln>
           <a:extLst>
             <a:ext uri="{C572A759-6A51-4108-AA02-DFA0A04FC94B}">
-              <ma14:wrappingTextBoxFlag xmlns:ma14="http://schemas.microsoft.com/office/mac/drawingml/2011/main" xmlns="" val="1"/>
+              <ma14:wrappingTextBoxFlag xmlns="" xmlns:ma14="http://schemas.microsoft.com/office/mac/drawingml/2011/main" val="1"/>
             </a:ext>
           </a:extLst>
         </p:spPr>
@@ -33815,7 +33815,7 @@
           </a:ln>
           <a:extLst>
             <a:ext uri="{C572A759-6A51-4108-AA02-DFA0A04FC94B}">
-              <ma14:wrappingTextBoxFlag xmlns:ma14="http://schemas.microsoft.com/office/mac/drawingml/2011/main" xmlns="" val="1"/>
+              <ma14:wrappingTextBoxFlag xmlns="" xmlns:ma14="http://schemas.microsoft.com/office/mac/drawingml/2011/main" val="1"/>
             </a:ext>
           </a:extLst>
         </p:spPr>
@@ -33860,7 +33860,7 @@
           </a:ln>
           <a:extLst>
             <a:ext uri="{C572A759-6A51-4108-AA02-DFA0A04FC94B}">
-              <ma14:wrappingTextBoxFlag xmlns:ma14="http://schemas.microsoft.com/office/mac/drawingml/2011/main" xmlns="" val="1"/>
+              <ma14:wrappingTextBoxFlag xmlns="" xmlns:ma14="http://schemas.microsoft.com/office/mac/drawingml/2011/main" val="1"/>
             </a:ext>
           </a:extLst>
         </p:spPr>
@@ -33951,7 +33951,7 @@
           </a:ln>
           <a:extLst>
             <a:ext uri="{C572A759-6A51-4108-AA02-DFA0A04FC94B}">
-              <ma14:wrappingTextBoxFlag xmlns:ma14="http://schemas.microsoft.com/office/mac/drawingml/2011/main" xmlns="" val="1"/>
+              <ma14:wrappingTextBoxFlag xmlns="" xmlns:ma14="http://schemas.microsoft.com/office/mac/drawingml/2011/main" val="1"/>
             </a:ext>
           </a:extLst>
         </p:spPr>
@@ -34049,7 +34049,7 @@
           </a:ln>
           <a:extLst>
             <a:ext uri="{C572A759-6A51-4108-AA02-DFA0A04FC94B}">
-              <ma14:wrappingTextBoxFlag xmlns:ma14="http://schemas.microsoft.com/office/mac/drawingml/2011/main" xmlns="" val="1"/>
+              <ma14:wrappingTextBoxFlag xmlns="" xmlns:ma14="http://schemas.microsoft.com/office/mac/drawingml/2011/main" val="1"/>
             </a:ext>
           </a:extLst>
         </p:spPr>
@@ -34089,7 +34089,7 @@
           </a:ln>
           <a:extLst>
             <a:ext uri="{C572A759-6A51-4108-AA02-DFA0A04FC94B}">
-              <ma14:wrappingTextBoxFlag xmlns:ma14="http://schemas.microsoft.com/office/mac/drawingml/2011/main" xmlns="" val="1"/>
+              <ma14:wrappingTextBoxFlag xmlns="" xmlns:ma14="http://schemas.microsoft.com/office/mac/drawingml/2011/main" val="1"/>
             </a:ext>
           </a:extLst>
         </p:spPr>
@@ -34159,7 +34159,7 @@
           </a:ln>
           <a:extLst>
             <a:ext uri="{C572A759-6A51-4108-AA02-DFA0A04FC94B}">
-              <ma14:wrappingTextBoxFlag xmlns:ma14="http://schemas.microsoft.com/office/mac/drawingml/2011/main" xmlns="" val="1"/>
+              <ma14:wrappingTextBoxFlag xmlns="" xmlns:ma14="http://schemas.microsoft.com/office/mac/drawingml/2011/main" val="1"/>
             </a:ext>
           </a:extLst>
         </p:spPr>
@@ -34244,7 +34244,7 @@
           </a:ln>
           <a:extLst>
             <a:ext uri="{C572A759-6A51-4108-AA02-DFA0A04FC94B}">
-              <ma14:wrappingTextBoxFlag xmlns:ma14="http://schemas.microsoft.com/office/mac/drawingml/2011/main" xmlns="" val="1"/>
+              <ma14:wrappingTextBoxFlag xmlns="" xmlns:ma14="http://schemas.microsoft.com/office/mac/drawingml/2011/main" val="1"/>
             </a:ext>
           </a:extLst>
         </p:spPr>
@@ -34340,7 +34340,7 @@
           </a:ln>
           <a:extLst>
             <a:ext uri="{C572A759-6A51-4108-AA02-DFA0A04FC94B}">
-              <ma14:wrappingTextBoxFlag xmlns:ma14="http://schemas.microsoft.com/office/mac/drawingml/2011/main" xmlns="" val="1"/>
+              <ma14:wrappingTextBoxFlag xmlns="" xmlns:ma14="http://schemas.microsoft.com/office/mac/drawingml/2011/main" val="1"/>
             </a:ext>
           </a:extLst>
         </p:spPr>
@@ -34705,7 +34705,7 @@
           </a:ln>
           <a:extLst>
             <a:ext uri="{C572A759-6A51-4108-AA02-DFA0A04FC94B}">
-              <ma14:wrappingTextBoxFlag xmlns:ma14="http://schemas.microsoft.com/office/mac/drawingml/2011/main" xmlns="" val="1"/>
+              <ma14:wrappingTextBoxFlag xmlns="" xmlns:ma14="http://schemas.microsoft.com/office/mac/drawingml/2011/main" val="1"/>
             </a:ext>
           </a:extLst>
         </p:spPr>
@@ -34780,7 +34780,7 @@
           </a:ln>
           <a:extLst>
             <a:ext uri="{C572A759-6A51-4108-AA02-DFA0A04FC94B}">
-              <ma14:wrappingTextBoxFlag xmlns:ma14="http://schemas.microsoft.com/office/mac/drawingml/2011/main" xmlns="" val="1"/>
+              <ma14:wrappingTextBoxFlag xmlns="" xmlns:ma14="http://schemas.microsoft.com/office/mac/drawingml/2011/main" val="1"/>
             </a:ext>
           </a:extLst>
         </p:spPr>
@@ -35009,7 +35009,7 @@
           </a:ln>
           <a:extLst>
             <a:ext uri="{C572A759-6A51-4108-AA02-DFA0A04FC94B}">
-              <ma14:wrappingTextBoxFlag xmlns:ma14="http://schemas.microsoft.com/office/mac/drawingml/2011/main" xmlns="" val="1"/>
+              <ma14:wrappingTextBoxFlag xmlns="" xmlns:ma14="http://schemas.microsoft.com/office/mac/drawingml/2011/main" val="1"/>
             </a:ext>
           </a:extLst>
         </p:spPr>
@@ -35050,7 +35050,7 @@
           </a:ln>
           <a:extLst>
             <a:ext uri="{C572A759-6A51-4108-AA02-DFA0A04FC94B}">
-              <ma14:wrappingTextBoxFlag xmlns:ma14="http://schemas.microsoft.com/office/mac/drawingml/2011/main" xmlns="" val="1"/>
+              <ma14:wrappingTextBoxFlag xmlns="" xmlns:ma14="http://schemas.microsoft.com/office/mac/drawingml/2011/main" val="1"/>
             </a:ext>
           </a:extLst>
         </p:spPr>
@@ -35179,7 +35179,7 @@
           </a:ln>
           <a:extLst>
             <a:ext uri="{C572A759-6A51-4108-AA02-DFA0A04FC94B}">
-              <ma14:wrappingTextBoxFlag xmlns:ma14="http://schemas.microsoft.com/office/mac/drawingml/2011/main" xmlns="" val="1"/>
+              <ma14:wrappingTextBoxFlag xmlns="" xmlns:ma14="http://schemas.microsoft.com/office/mac/drawingml/2011/main" val="1"/>
             </a:ext>
           </a:extLst>
         </p:spPr>
@@ -35218,7 +35218,7 @@
           </a:ln>
           <a:extLst>
             <a:ext uri="{C572A759-6A51-4108-AA02-DFA0A04FC94B}">
-              <ma14:wrappingTextBoxFlag xmlns:ma14="http://schemas.microsoft.com/office/mac/drawingml/2011/main" xmlns="" val="1"/>
+              <ma14:wrappingTextBoxFlag xmlns="" xmlns:ma14="http://schemas.microsoft.com/office/mac/drawingml/2011/main" val="1"/>
             </a:ext>
           </a:extLst>
         </p:spPr>
@@ -35630,7 +35630,7 @@
           </a:ln>
           <a:extLst>
             <a:ext uri="{C572A759-6A51-4108-AA02-DFA0A04FC94B}">
-              <ma14:wrappingTextBoxFlag xmlns:ma14="http://schemas.microsoft.com/office/mac/drawingml/2011/main" xmlns="" val="1"/>
+              <ma14:wrappingTextBoxFlag xmlns="" xmlns:ma14="http://schemas.microsoft.com/office/mac/drawingml/2011/main" val="1"/>
             </a:ext>
           </a:extLst>
         </p:spPr>
@@ -35669,7 +35669,7 @@
           </a:ln>
           <a:extLst>
             <a:ext uri="{C572A759-6A51-4108-AA02-DFA0A04FC94B}">
-              <ma14:wrappingTextBoxFlag xmlns:ma14="http://schemas.microsoft.com/office/mac/drawingml/2011/main" xmlns="" val="1"/>
+              <ma14:wrappingTextBoxFlag xmlns="" xmlns:ma14="http://schemas.microsoft.com/office/mac/drawingml/2011/main" val="1"/>
             </a:ext>
           </a:extLst>
         </p:spPr>
@@ -36080,7 +36080,7 @@
           </a:ln>
           <a:extLst>
             <a:ext uri="{C572A759-6A51-4108-AA02-DFA0A04FC94B}">
-              <ma14:wrappingTextBoxFlag xmlns:ma14="http://schemas.microsoft.com/office/mac/drawingml/2011/main" xmlns="" val="1"/>
+              <ma14:wrappingTextBoxFlag xmlns="" xmlns:ma14="http://schemas.microsoft.com/office/mac/drawingml/2011/main" val="1"/>
             </a:ext>
           </a:extLst>
         </p:spPr>
@@ -36123,7 +36123,7 @@
           </a:ln>
           <a:extLst>
             <a:ext uri="{C572A759-6A51-4108-AA02-DFA0A04FC94B}">
-              <ma14:wrappingTextBoxFlag xmlns:ma14="http://schemas.microsoft.com/office/mac/drawingml/2011/main" xmlns="" val="1"/>
+              <ma14:wrappingTextBoxFlag xmlns="" xmlns:ma14="http://schemas.microsoft.com/office/mac/drawingml/2011/main" val="1"/>
             </a:ext>
           </a:extLst>
         </p:spPr>
@@ -36168,7 +36168,7 @@
           </a:ln>
           <a:extLst>
             <a:ext uri="{C572A759-6A51-4108-AA02-DFA0A04FC94B}">
-              <ma14:wrappingTextBoxFlag xmlns:ma14="http://schemas.microsoft.com/office/mac/drawingml/2011/main" xmlns="" val="1"/>
+              <ma14:wrappingTextBoxFlag xmlns="" xmlns:ma14="http://schemas.microsoft.com/office/mac/drawingml/2011/main" val="1"/>
             </a:ext>
           </a:extLst>
         </p:spPr>
@@ -36213,7 +36213,7 @@
           </a:ln>
           <a:extLst>
             <a:ext uri="{C572A759-6A51-4108-AA02-DFA0A04FC94B}">
-              <ma14:wrappingTextBoxFlag xmlns:ma14="http://schemas.microsoft.com/office/mac/drawingml/2011/main" xmlns="" val="1"/>
+              <ma14:wrappingTextBoxFlag xmlns="" xmlns:ma14="http://schemas.microsoft.com/office/mac/drawingml/2011/main" val="1"/>
             </a:ext>
           </a:extLst>
         </p:spPr>
@@ -36258,7 +36258,7 @@
           </a:ln>
           <a:extLst>
             <a:ext uri="{C572A759-6A51-4108-AA02-DFA0A04FC94B}">
-              <ma14:wrappingTextBoxFlag xmlns:ma14="http://schemas.microsoft.com/office/mac/drawingml/2011/main" xmlns="" val="1"/>
+              <ma14:wrappingTextBoxFlag xmlns="" xmlns:ma14="http://schemas.microsoft.com/office/mac/drawingml/2011/main" val="1"/>
             </a:ext>
           </a:extLst>
         </p:spPr>
@@ -36303,7 +36303,7 @@
           </a:ln>
           <a:extLst>
             <a:ext uri="{C572A759-6A51-4108-AA02-DFA0A04FC94B}">
-              <ma14:wrappingTextBoxFlag xmlns:ma14="http://schemas.microsoft.com/office/mac/drawingml/2011/main" xmlns="" val="1"/>
+              <ma14:wrappingTextBoxFlag xmlns="" xmlns:ma14="http://schemas.microsoft.com/office/mac/drawingml/2011/main" val="1"/>
             </a:ext>
           </a:extLst>
         </p:spPr>
@@ -36345,7 +36345,7 @@
           </a:ln>
           <a:extLst>
             <a:ext uri="{C572A759-6A51-4108-AA02-DFA0A04FC94B}">
-              <ma14:wrappingTextBoxFlag xmlns:ma14="http://schemas.microsoft.com/office/mac/drawingml/2011/main" xmlns="" val="1"/>
+              <ma14:wrappingTextBoxFlag xmlns="" xmlns:ma14="http://schemas.microsoft.com/office/mac/drawingml/2011/main" val="1"/>
             </a:ext>
           </a:extLst>
         </p:spPr>
@@ -36411,7 +36411,7 @@
           </a:ln>
           <a:extLst>
             <a:ext uri="{C572A759-6A51-4108-AA02-DFA0A04FC94B}">
-              <ma14:wrappingTextBoxFlag xmlns:ma14="http://schemas.microsoft.com/office/mac/drawingml/2011/main" xmlns="" val="1"/>
+              <ma14:wrappingTextBoxFlag xmlns="" xmlns:ma14="http://schemas.microsoft.com/office/mac/drawingml/2011/main" val="1"/>
             </a:ext>
           </a:extLst>
         </p:spPr>
@@ -36448,7 +36448,7 @@
           </a:ln>
           <a:extLst>
             <a:ext uri="{C572A759-6A51-4108-AA02-DFA0A04FC94B}">
-              <ma14:wrappingTextBoxFlag xmlns:ma14="http://schemas.microsoft.com/office/mac/drawingml/2011/main" xmlns="" val="1"/>
+              <ma14:wrappingTextBoxFlag xmlns="" xmlns:ma14="http://schemas.microsoft.com/office/mac/drawingml/2011/main" val="1"/>
             </a:ext>
           </a:extLst>
         </p:spPr>
@@ -36618,7 +36618,7 @@
           </a:ln>
           <a:extLst>
             <a:ext uri="{C572A759-6A51-4108-AA02-DFA0A04FC94B}">
-              <ma14:wrappingTextBoxFlag xmlns:ma14="http://schemas.microsoft.com/office/mac/drawingml/2011/main" xmlns="" val="1"/>
+              <ma14:wrappingTextBoxFlag xmlns="" xmlns:ma14="http://schemas.microsoft.com/office/mac/drawingml/2011/main" val="1"/>
             </a:ext>
           </a:extLst>
         </p:spPr>
@@ -36661,7 +36661,7 @@
           </a:ln>
           <a:extLst>
             <a:ext uri="{C572A759-6A51-4108-AA02-DFA0A04FC94B}">
-              <ma14:wrappingTextBoxFlag xmlns:ma14="http://schemas.microsoft.com/office/mac/drawingml/2011/main" xmlns="" val="1"/>
+              <ma14:wrappingTextBoxFlag xmlns="" xmlns:ma14="http://schemas.microsoft.com/office/mac/drawingml/2011/main" val="1"/>
             </a:ext>
           </a:extLst>
         </p:spPr>
@@ -36706,7 +36706,7 @@
           </a:ln>
           <a:extLst>
             <a:ext uri="{C572A759-6A51-4108-AA02-DFA0A04FC94B}">
-              <ma14:wrappingTextBoxFlag xmlns:ma14="http://schemas.microsoft.com/office/mac/drawingml/2011/main" xmlns="" val="1"/>
+              <ma14:wrappingTextBoxFlag xmlns="" xmlns:ma14="http://schemas.microsoft.com/office/mac/drawingml/2011/main" val="1"/>
             </a:ext>
           </a:extLst>
         </p:spPr>
@@ -36751,7 +36751,7 @@
           </a:ln>
           <a:extLst>
             <a:ext uri="{C572A759-6A51-4108-AA02-DFA0A04FC94B}">
-              <ma14:wrappingTextBoxFlag xmlns:ma14="http://schemas.microsoft.com/office/mac/drawingml/2011/main" xmlns="" val="1"/>
+              <ma14:wrappingTextBoxFlag xmlns="" xmlns:ma14="http://schemas.microsoft.com/office/mac/drawingml/2011/main" val="1"/>
             </a:ext>
           </a:extLst>
         </p:spPr>
@@ -36796,7 +36796,7 @@
           </a:ln>
           <a:extLst>
             <a:ext uri="{C572A759-6A51-4108-AA02-DFA0A04FC94B}">
-              <ma14:wrappingTextBoxFlag xmlns:ma14="http://schemas.microsoft.com/office/mac/drawingml/2011/main" xmlns="" val="1"/>
+              <ma14:wrappingTextBoxFlag xmlns="" xmlns:ma14="http://schemas.microsoft.com/office/mac/drawingml/2011/main" val="1"/>
             </a:ext>
           </a:extLst>
         </p:spPr>
@@ -36841,7 +36841,7 @@
           </a:ln>
           <a:extLst>
             <a:ext uri="{C572A759-6A51-4108-AA02-DFA0A04FC94B}">
-              <ma14:wrappingTextBoxFlag xmlns:ma14="http://schemas.microsoft.com/office/mac/drawingml/2011/main" xmlns="" val="1"/>
+              <ma14:wrappingTextBoxFlag xmlns="" xmlns:ma14="http://schemas.microsoft.com/office/mac/drawingml/2011/main" val="1"/>
             </a:ext>
           </a:extLst>
         </p:spPr>
@@ -36883,7 +36883,7 @@
           </a:ln>
           <a:extLst>
             <a:ext uri="{C572A759-6A51-4108-AA02-DFA0A04FC94B}">
-              <ma14:wrappingTextBoxFlag xmlns:ma14="http://schemas.microsoft.com/office/mac/drawingml/2011/main" xmlns="" val="1"/>
+              <ma14:wrappingTextBoxFlag xmlns="" xmlns:ma14="http://schemas.microsoft.com/office/mac/drawingml/2011/main" val="1"/>
             </a:ext>
           </a:extLst>
         </p:spPr>
@@ -36968,7 +36968,7 @@
           </a:ln>
           <a:extLst>
             <a:ext uri="{C572A759-6A51-4108-AA02-DFA0A04FC94B}">
-              <ma14:wrappingTextBoxFlag xmlns:ma14="http://schemas.microsoft.com/office/mac/drawingml/2011/main" xmlns="" val="1"/>
+              <ma14:wrappingTextBoxFlag xmlns="" xmlns:ma14="http://schemas.microsoft.com/office/mac/drawingml/2011/main" val="1"/>
             </a:ext>
           </a:extLst>
         </p:spPr>
